--- a/PSPD/presentation/PSPD-PP.pptx
+++ b/PSPD/presentation/PSPD-PP.pptx
@@ -384,7 +384,7 @@
           <a:p>
             <a:fld id="{9184DA70-C731-4C70-880D-CCD4705E623C}" type="datetime1">
               <a:rPr lang="en-US" noProof="0" smtClean="0"/>
-              <a:t>2/5/2023</a:t>
+              <a:t>2/7/2023</a:t>
             </a:fld>
             <a:endParaRPr lang="en-US" noProof="0" dirty="0"/>
           </a:p>
@@ -505,7 +505,7 @@
           <a:p>
             <a:fld id="{39667345-2558-425A-8533-9BFDBCE15005}" type="datetime1">
               <a:rPr lang="en-US" noProof="0" smtClean="0"/>
-              <a:t>2/5/2023</a:t>
+              <a:t>2/7/2023</a:t>
             </a:fld>
             <a:endParaRPr lang="en-US" noProof="0" dirty="0"/>
           </a:p>
@@ -893,7 +893,7 @@
           <a:p>
             <a:fld id="{39667345-2558-425A-8533-9BFDBCE15005}" type="datetime1">
               <a:rPr lang="en-US" noProof="0" smtClean="0"/>
-              <a:t>2/5/2023</a:t>
+              <a:t>2/7/2023</a:t>
             </a:fld>
             <a:endParaRPr lang="en-US" noProof="0" dirty="0"/>
           </a:p>
@@ -1728,7 +1728,7 @@
           <a:p>
             <a:fld id="{4907D986-8816-4272-A432-0437A28A9828}" type="datetime1">
               <a:rPr lang="en-US" noProof="0" smtClean="0"/>
-              <a:t>2/5/2023</a:t>
+              <a:t>2/7/2023</a:t>
             </a:fld>
             <a:endParaRPr lang="en-US" noProof="0" dirty="0"/>
           </a:p>
@@ -2060,7 +2060,7 @@
           <a:p>
             <a:fld id="{9184DA70-C731-4C70-880D-CCD4705E623C}" type="datetime1">
               <a:rPr lang="en-US" noProof="0" smtClean="0"/>
-              <a:t>2/5/2023</a:t>
+              <a:t>2/7/2023</a:t>
             </a:fld>
             <a:endParaRPr lang="en-US" noProof="0" dirty="0"/>
           </a:p>
@@ -2368,7 +2368,7 @@
           <a:p>
             <a:fld id="{4BE1D723-8F53-4F53-90B0-1982A396982E}" type="datetime1">
               <a:rPr lang="en-US" noProof="0" smtClean="0"/>
-              <a:t>2/5/2023</a:t>
+              <a:t>2/7/2023</a:t>
             </a:fld>
             <a:endParaRPr lang="en-US" noProof="0" dirty="0"/>
           </a:p>
@@ -2961,7 +2961,7 @@
           <a:p>
             <a:fld id="{D9DF0F1C-5577-4ACB-BB62-DF8F3C494C7E}" type="datetime1">
               <a:rPr lang="en-US" noProof="0" smtClean="0"/>
-              <a:t>2/5/2023</a:t>
+              <a:t>2/7/2023</a:t>
             </a:fld>
             <a:endParaRPr lang="en-US" noProof="0" dirty="0"/>
           </a:p>
@@ -3224,7 +3224,7 @@
           <a:p>
             <a:fld id="{1775B394-D9F9-4F0C-B15D-605F45CB9E9F}" type="datetime1">
               <a:rPr lang="en-US" noProof="0" smtClean="0"/>
-              <a:t>2/5/2023</a:t>
+              <a:t>2/7/2023</a:t>
             </a:fld>
             <a:endParaRPr lang="en-US" noProof="0" dirty="0"/>
           </a:p>
@@ -3487,7 +3487,7 @@
           <a:p>
             <a:fld id="{1775B394-D9F9-4F0C-B15D-605F45CB9E9F}" type="datetime1">
               <a:rPr lang="en-US" noProof="0" smtClean="0"/>
-              <a:t>2/5/2023</a:t>
+              <a:t>2/7/2023</a:t>
             </a:fld>
             <a:endParaRPr lang="en-US" noProof="0" dirty="0"/>
           </a:p>
@@ -4004,7 +4004,7 @@
           <a:p>
             <a:fld id="{39667345-2558-425A-8533-9BFDBCE15005}" type="datetime1">
               <a:rPr lang="en-US" noProof="0" smtClean="0"/>
-              <a:t>2/5/2023</a:t>
+              <a:t>2/7/2023</a:t>
             </a:fld>
             <a:endParaRPr lang="en-US" noProof="0" dirty="0"/>
           </a:p>
@@ -4125,7 +4125,7 @@
           <a:p>
             <a:fld id="{39667345-2558-425A-8533-9BFDBCE15005}" type="datetime1">
               <a:rPr lang="en-US" noProof="0" smtClean="0"/>
-              <a:t>2/5/2023</a:t>
+              <a:t>2/7/2023</a:t>
             </a:fld>
             <a:endParaRPr lang="en-US" noProof="0" dirty="0"/>
           </a:p>
@@ -4557,7 +4557,7 @@
           <a:p>
             <a:fld id="{39667345-2558-425A-8533-9BFDBCE15005}" type="datetime1">
               <a:rPr lang="en-US" noProof="0" smtClean="0"/>
-              <a:t>2/5/2023</a:t>
+              <a:t>2/7/2023</a:t>
             </a:fld>
             <a:endParaRPr lang="en-US" noProof="0" dirty="0"/>
           </a:p>
@@ -5099,7 +5099,7 @@
           <a:p>
             <a:fld id="{62D6E202-B606-4609-B914-27C9371A1F6D}" type="datetime1">
               <a:rPr lang="en-US" noProof="0" smtClean="0"/>
-              <a:t>2/5/2023</a:t>
+              <a:t>2/7/2023</a:t>
             </a:fld>
             <a:endParaRPr lang="en-US" noProof="0" dirty="0"/>
           </a:p>
@@ -5656,7 +5656,7 @@
               <a:rPr lang="en-US" dirty="0">
                 <a:latin typeface="Bahnschrift Light" panose="020B0502040204020203" pitchFamily="34" charset="0"/>
               </a:rPr>
-              <a:t>An automated approach for improving abstractive text summarization using an adaptive optimized generalized transformer</a:t>
+              <a:t>An automated approach for improving abstractive text summarization using an adaptive generalized optimal transformer</a:t>
             </a:r>
           </a:p>
         </p:txBody>
@@ -6137,7 +6137,9 @@
           </a:xfrm>
         </p:spPr>
         <p:txBody>
-          <a:bodyPr/>
+          <a:bodyPr>
+            <a:normAutofit/>
+          </a:bodyPr>
           <a:lstStyle/>
           <a:p>
             <a:pPr algn="just">
@@ -6146,10 +6148,43 @@
               </a:lnSpc>
             </a:pPr>
             <a:r>
+              <a:rPr lang="en-US" b="1" dirty="0">
+                <a:latin typeface="Bahnschrift Light" panose="020B0502040204020203" pitchFamily="34" charset="0"/>
+              </a:rPr>
+              <a:t>Problem Domain</a:t>
+            </a:r>
+            <a:r>
               <a:rPr lang="en-US" dirty="0">
                 <a:latin typeface="Bahnschrift Light" panose="020B0502040204020203" pitchFamily="34" charset="0"/>
               </a:rPr>
-              <a:t>Lorem ipsum dolor sit amet, consectetur adipiscing elit, sed do eiusmod tempor incididunt ut labore et dolore magna aliqua. Ut enim ad minim veniam, quis nostrud exercitation ullamco laboris nisi ut aliquip ex ea commodo consequat.</a:t>
+              <a:t>: </a:t>
+            </a:r>
+          </a:p>
+          <a:p>
+            <a:pPr marL="285750" indent="-285750" algn="just">
+              <a:lnSpc>
+                <a:spcPct val="150000"/>
+              </a:lnSpc>
+              <a:buFont typeface="Arial" panose="020B0604020202020204" pitchFamily="34" charset="0"/>
+              <a:buChar char="•"/>
+            </a:pPr>
+            <a:r>
+              <a:rPr lang="en-US" dirty="0">
+                <a:latin typeface="Bahnschrift Light" panose="020B0502040204020203" pitchFamily="34" charset="0"/>
+              </a:rPr>
+              <a:t>movie review </a:t>
+            </a:r>
+            <a:r>
+              <a:rPr lang="en-US" u="sng" dirty="0">
+                <a:latin typeface="Bahnschrift Light" panose="020B0502040204020203" pitchFamily="34" charset="0"/>
+              </a:rPr>
+              <a:t>summarization</a:t>
+            </a:r>
+            <a:r>
+              <a:rPr lang="en-US" dirty="0">
+                <a:latin typeface="Bahnschrift Light" panose="020B0502040204020203" pitchFamily="34" charset="0"/>
+              </a:rPr>
+              <a:t>, to save customers time.</a:t>
             </a:r>
           </a:p>
           <a:p>
@@ -6159,10 +6194,37 @@
               </a:lnSpc>
             </a:pPr>
             <a:r>
+              <a:rPr lang="en-US" b="1" dirty="0">
+                <a:latin typeface="Bahnschrift Light" panose="020B0502040204020203" pitchFamily="34" charset="0"/>
+              </a:rPr>
+              <a:t>Research limitation to be addressed</a:t>
+            </a:r>
+            <a:r>
               <a:rPr lang="en-US" dirty="0">
                 <a:latin typeface="Bahnschrift Light" panose="020B0502040204020203" pitchFamily="34" charset="0"/>
               </a:rPr>
-              <a:t>Duis aute irure dolor in reprehenderit in voluptate velit esse cillum dolore eu fugiat nulla pariatur. Excepteur sint occaecat cupidatat non proident, sunt in culpa qui officia deserunt mollit anim id est laborum.</a:t>
+              <a:t>: </a:t>
+            </a:r>
+          </a:p>
+          <a:p>
+            <a:pPr marL="285750" indent="-285750" algn="just">
+              <a:lnSpc>
+                <a:spcPct val="150000"/>
+              </a:lnSpc>
+              <a:buFont typeface="Arial" panose="020B0604020202020204" pitchFamily="34" charset="0"/>
+              <a:buChar char="•"/>
+            </a:pPr>
+            <a:r>
+              <a:rPr lang="en-US" u="sng" dirty="0">
+                <a:latin typeface="Bahnschrift Light" panose="020B0502040204020203" pitchFamily="34" charset="0"/>
+              </a:rPr>
+              <a:t>performance increase</a:t>
+            </a:r>
+            <a:r>
+              <a:rPr lang="en-US" dirty="0">
+                <a:latin typeface="Bahnschrift Light" panose="020B0502040204020203" pitchFamily="34" charset="0"/>
+              </a:rPr>
+              <a:t>, since mostly traditional ML and DL are used but yet the need for performance enhanced using latest approaches (such as Transformers).</a:t>
             </a:r>
           </a:p>
         </p:txBody>
@@ -6507,263 +6569,111 @@
               </a:lnSpc>
             </a:pPr>
             <a:r>
-              <a:rPr lang="en-US" sz="1600" dirty="0">
+              <a:rPr lang="en-US" sz="1600" b="1" dirty="0">
                 <a:latin typeface="Bahnschrift Light" panose="020B0502040204020203" pitchFamily="34" charset="0"/>
               </a:rPr>
-              <a:t>Lorem ipsum dolor sit </a:t>
-            </a:r>
-            <a:r>
-              <a:rPr lang="en-US" sz="1600" dirty="0" err="1">
+              <a:t>Research Gap</a:t>
+            </a:r>
+          </a:p>
+          <a:p>
+            <a:pPr lvl="1" algn="just">
+              <a:lnSpc>
+                <a:spcPct val="150000"/>
+              </a:lnSpc>
+            </a:pPr>
+            <a:r>
+              <a:rPr lang="en-US" sz="1400" dirty="0">
                 <a:latin typeface="Bahnschrift Light" panose="020B0502040204020203" pitchFamily="34" charset="0"/>
               </a:rPr>
-              <a:t>amet</a:t>
-            </a:r>
-            <a:r>
-              <a:rPr lang="en-US" sz="1600" dirty="0">
+              <a:t>Optimize transformers for abstractive text summarization &amp; creating a generalized model/solution which can be able to be adapted to any domain and increase performance as the domain uses it with time.</a:t>
+            </a:r>
+          </a:p>
+          <a:p>
+            <a:pPr lvl="1" algn="just">
+              <a:lnSpc>
+                <a:spcPct val="150000"/>
+              </a:lnSpc>
+            </a:pPr>
+            <a:r>
+              <a:rPr lang="en-US" sz="1400" dirty="0">
                 <a:latin typeface="Bahnschrift Light" panose="020B0502040204020203" pitchFamily="34" charset="0"/>
               </a:rPr>
-              <a:t>, </a:t>
-            </a:r>
-            <a:r>
-              <a:rPr lang="en-US" sz="1600" dirty="0" err="1">
+              <a:t>This can be movie domain, hotel domain, tourism </a:t>
+            </a:r>
+            <a:r>
+              <a:rPr lang="en-US" sz="1400" dirty="0" err="1">
                 <a:latin typeface="Bahnschrift Light" panose="020B0502040204020203" pitchFamily="34" charset="0"/>
               </a:rPr>
-              <a:t>consectetur</a:t>
-            </a:r>
-            <a:r>
-              <a:rPr lang="en-US" sz="1600" dirty="0">
+              <a:t>etc</a:t>
+            </a:r>
+            <a:r>
+              <a:rPr lang="en-US" sz="1400" dirty="0">
                 <a:latin typeface="Bahnschrift Light" panose="020B0502040204020203" pitchFamily="34" charset="0"/>
               </a:rPr>
-              <a:t> </a:t>
-            </a:r>
-            <a:r>
-              <a:rPr lang="en-US" sz="1600" dirty="0" err="1">
+              <a:t>….</a:t>
+            </a:r>
+          </a:p>
+          <a:p>
+            <a:pPr marL="201168" lvl="1" indent="0" algn="just">
+              <a:lnSpc>
+                <a:spcPct val="150000"/>
+              </a:lnSpc>
+              <a:buNone/>
+            </a:pPr>
+            <a:endParaRPr lang="en-US" sz="1400" dirty="0">
+              <a:latin typeface="Bahnschrift Light" panose="020B0502040204020203" pitchFamily="34" charset="0"/>
+            </a:endParaRPr>
+          </a:p>
+          <a:p>
+            <a:pPr marL="201168" lvl="1" indent="0" algn="just">
+              <a:lnSpc>
+                <a:spcPct val="150000"/>
+              </a:lnSpc>
+              <a:buNone/>
+            </a:pPr>
+            <a:r>
+              <a:rPr lang="en-US" sz="1400" b="1" dirty="0">
                 <a:latin typeface="Bahnschrift Light" panose="020B0502040204020203" pitchFamily="34" charset="0"/>
               </a:rPr>
-              <a:t>adipiscing</a:t>
-            </a:r>
-            <a:r>
-              <a:rPr lang="en-US" sz="1600" dirty="0">
+              <a:t>Solution Approaches </a:t>
+            </a:r>
+          </a:p>
+          <a:p>
+            <a:pPr lvl="1" algn="just">
+              <a:lnSpc>
+                <a:spcPct val="150000"/>
+              </a:lnSpc>
+            </a:pPr>
+            <a:r>
+              <a:rPr lang="en-US" sz="1400" dirty="0">
                 <a:latin typeface="Bahnschrift Light" panose="020B0502040204020203" pitchFamily="34" charset="0"/>
               </a:rPr>
-              <a:t> </a:t>
-            </a:r>
-            <a:r>
-              <a:rPr lang="en-US" sz="1600" dirty="0" err="1">
+              <a:t>Automating hyperparameter searching and model retraining</a:t>
+            </a:r>
+          </a:p>
+          <a:p>
+            <a:pPr lvl="1" algn="just">
+              <a:lnSpc>
+                <a:spcPct val="150000"/>
+              </a:lnSpc>
+            </a:pPr>
+            <a:r>
+              <a:rPr lang="en-US" sz="1400" dirty="0">
                 <a:latin typeface="Bahnschrift Light" panose="020B0502040204020203" pitchFamily="34" charset="0"/>
               </a:rPr>
-              <a:t>elit</a:t>
-            </a:r>
-            <a:r>
-              <a:rPr lang="en-US" sz="1600" dirty="0">
-                <a:latin typeface="Bahnschrift Light" panose="020B0502040204020203" pitchFamily="34" charset="0"/>
-              </a:rPr>
-              <a:t>, sed do </a:t>
-            </a:r>
-            <a:r>
-              <a:rPr lang="en-US" sz="1600" dirty="0" err="1">
-                <a:latin typeface="Bahnschrift Light" panose="020B0502040204020203" pitchFamily="34" charset="0"/>
-              </a:rPr>
-              <a:t>eiusmod</a:t>
-            </a:r>
-            <a:r>
-              <a:rPr lang="en-US" sz="1600" dirty="0">
-                <a:latin typeface="Bahnschrift Light" panose="020B0502040204020203" pitchFamily="34" charset="0"/>
-              </a:rPr>
-              <a:t> </a:t>
-            </a:r>
-            <a:r>
-              <a:rPr lang="en-US" sz="1600" dirty="0" err="1">
-                <a:latin typeface="Bahnschrift Light" panose="020B0502040204020203" pitchFamily="34" charset="0"/>
-              </a:rPr>
-              <a:t>tempor</a:t>
-            </a:r>
-            <a:r>
-              <a:rPr lang="en-US" sz="1600" dirty="0">
-                <a:latin typeface="Bahnschrift Light" panose="020B0502040204020203" pitchFamily="34" charset="0"/>
-              </a:rPr>
-              <a:t> </a:t>
-            </a:r>
-            <a:r>
-              <a:rPr lang="en-US" sz="1600" dirty="0" err="1">
-                <a:latin typeface="Bahnschrift Light" panose="020B0502040204020203" pitchFamily="34" charset="0"/>
-              </a:rPr>
-              <a:t>incididunt</a:t>
-            </a:r>
-            <a:r>
-              <a:rPr lang="en-US" sz="1600" dirty="0">
-                <a:latin typeface="Bahnschrift Light" panose="020B0502040204020203" pitchFamily="34" charset="0"/>
-              </a:rPr>
-              <a:t> </a:t>
-            </a:r>
-            <a:r>
-              <a:rPr lang="en-US" sz="1600" dirty="0" err="1">
-                <a:latin typeface="Bahnschrift Light" panose="020B0502040204020203" pitchFamily="34" charset="0"/>
-              </a:rPr>
-              <a:t>ut</a:t>
-            </a:r>
-            <a:r>
-              <a:rPr lang="en-US" sz="1600" dirty="0">
-                <a:latin typeface="Bahnschrift Light" panose="020B0502040204020203" pitchFamily="34" charset="0"/>
-              </a:rPr>
-              <a:t> </a:t>
-            </a:r>
-            <a:r>
-              <a:rPr lang="en-US" sz="1600" dirty="0" err="1">
-                <a:latin typeface="Bahnschrift Light" panose="020B0502040204020203" pitchFamily="34" charset="0"/>
-              </a:rPr>
-              <a:t>labore</a:t>
-            </a:r>
-            <a:r>
-              <a:rPr lang="en-US" sz="1600" dirty="0">
-                <a:latin typeface="Bahnschrift Light" panose="020B0502040204020203" pitchFamily="34" charset="0"/>
-              </a:rPr>
-              <a:t> et dolore magna </a:t>
-            </a:r>
-            <a:r>
-              <a:rPr lang="en-US" sz="1600" dirty="0" err="1">
-                <a:latin typeface="Bahnschrift Light" panose="020B0502040204020203" pitchFamily="34" charset="0"/>
-              </a:rPr>
-              <a:t>aliqua</a:t>
-            </a:r>
-            <a:r>
-              <a:rPr lang="en-US" sz="1600" dirty="0">
-                <a:latin typeface="Bahnschrift Light" panose="020B0502040204020203" pitchFamily="34" charset="0"/>
-              </a:rPr>
-              <a:t>. Ut </a:t>
-            </a:r>
-            <a:r>
-              <a:rPr lang="en-US" sz="1600" dirty="0" err="1">
-                <a:latin typeface="Bahnschrift Light" panose="020B0502040204020203" pitchFamily="34" charset="0"/>
-              </a:rPr>
-              <a:t>enim</a:t>
-            </a:r>
-            <a:r>
-              <a:rPr lang="en-US" sz="1600" dirty="0">
-                <a:latin typeface="Bahnschrift Light" panose="020B0502040204020203" pitchFamily="34" charset="0"/>
-              </a:rPr>
-              <a:t> ad minim </a:t>
-            </a:r>
-            <a:r>
-              <a:rPr lang="en-US" sz="1600" dirty="0" err="1">
-                <a:latin typeface="Bahnschrift Light" panose="020B0502040204020203" pitchFamily="34" charset="0"/>
-              </a:rPr>
-              <a:t>veniam</a:t>
-            </a:r>
-            <a:r>
-              <a:rPr lang="en-US" sz="1600" dirty="0">
-                <a:latin typeface="Bahnschrift Light" panose="020B0502040204020203" pitchFamily="34" charset="0"/>
-              </a:rPr>
-              <a:t>, </a:t>
-            </a:r>
-            <a:r>
-              <a:rPr lang="en-US" sz="1600" dirty="0" err="1">
-                <a:latin typeface="Bahnschrift Light" panose="020B0502040204020203" pitchFamily="34" charset="0"/>
-              </a:rPr>
-              <a:t>quis</a:t>
-            </a:r>
-            <a:r>
-              <a:rPr lang="en-US" sz="1600" dirty="0">
-                <a:latin typeface="Bahnschrift Light" panose="020B0502040204020203" pitchFamily="34" charset="0"/>
-              </a:rPr>
-              <a:t> </a:t>
-            </a:r>
-            <a:r>
-              <a:rPr lang="en-US" sz="1600" dirty="0" err="1">
-                <a:latin typeface="Bahnschrift Light" panose="020B0502040204020203" pitchFamily="34" charset="0"/>
-              </a:rPr>
-              <a:t>nostrud</a:t>
-            </a:r>
-            <a:r>
-              <a:rPr lang="en-US" sz="1600" dirty="0">
-                <a:latin typeface="Bahnschrift Light" panose="020B0502040204020203" pitchFamily="34" charset="0"/>
-              </a:rPr>
-              <a:t> exercitation </a:t>
-            </a:r>
-            <a:r>
-              <a:rPr lang="en-US" sz="1600" dirty="0" err="1">
-                <a:latin typeface="Bahnschrift Light" panose="020B0502040204020203" pitchFamily="34" charset="0"/>
-              </a:rPr>
-              <a:t>ullamco</a:t>
-            </a:r>
-            <a:r>
-              <a:rPr lang="en-US" sz="1600" dirty="0">
-                <a:latin typeface="Bahnschrift Light" panose="020B0502040204020203" pitchFamily="34" charset="0"/>
-              </a:rPr>
-              <a:t> </a:t>
-            </a:r>
-            <a:r>
-              <a:rPr lang="en-US" sz="1600" dirty="0" err="1">
-                <a:latin typeface="Bahnschrift Light" panose="020B0502040204020203" pitchFamily="34" charset="0"/>
-              </a:rPr>
-              <a:t>laboris</a:t>
-            </a:r>
-            <a:r>
-              <a:rPr lang="en-US" sz="1600" dirty="0">
-                <a:latin typeface="Bahnschrift Light" panose="020B0502040204020203" pitchFamily="34" charset="0"/>
-              </a:rPr>
-              <a:t> nisi </a:t>
-            </a:r>
-            <a:r>
-              <a:rPr lang="en-US" sz="1600" dirty="0" err="1">
-                <a:latin typeface="Bahnschrift Light" panose="020B0502040204020203" pitchFamily="34" charset="0"/>
-              </a:rPr>
-              <a:t>ut</a:t>
-            </a:r>
-            <a:r>
-              <a:rPr lang="en-US" sz="1600" dirty="0">
-                <a:latin typeface="Bahnschrift Light" panose="020B0502040204020203" pitchFamily="34" charset="0"/>
-              </a:rPr>
-              <a:t> </a:t>
-            </a:r>
-            <a:r>
-              <a:rPr lang="en-US" sz="1600" dirty="0" err="1">
-                <a:latin typeface="Bahnschrift Light" panose="020B0502040204020203" pitchFamily="34" charset="0"/>
-              </a:rPr>
-              <a:t>aliquip</a:t>
-            </a:r>
-            <a:r>
-              <a:rPr lang="en-US" sz="1600" dirty="0">
-                <a:latin typeface="Bahnschrift Light" panose="020B0502040204020203" pitchFamily="34" charset="0"/>
-              </a:rPr>
-              <a:t> ex </a:t>
-            </a:r>
-            <a:r>
-              <a:rPr lang="en-US" sz="1600" dirty="0" err="1">
-                <a:latin typeface="Bahnschrift Light" panose="020B0502040204020203" pitchFamily="34" charset="0"/>
-              </a:rPr>
-              <a:t>ea</a:t>
-            </a:r>
-            <a:r>
-              <a:rPr lang="en-US" sz="1600" dirty="0">
-                <a:latin typeface="Bahnschrift Light" panose="020B0502040204020203" pitchFamily="34" charset="0"/>
-              </a:rPr>
-              <a:t> </a:t>
-            </a:r>
-            <a:r>
-              <a:rPr lang="en-US" sz="1600" dirty="0" err="1">
-                <a:latin typeface="Bahnschrift Light" panose="020B0502040204020203" pitchFamily="34" charset="0"/>
-              </a:rPr>
-              <a:t>commodo</a:t>
-            </a:r>
-            <a:r>
-              <a:rPr lang="en-US" sz="1600" dirty="0">
-                <a:latin typeface="Bahnschrift Light" panose="020B0502040204020203" pitchFamily="34" charset="0"/>
-              </a:rPr>
-              <a:t> </a:t>
-            </a:r>
-            <a:r>
-              <a:rPr lang="en-US" sz="1600" dirty="0" err="1">
-                <a:latin typeface="Bahnschrift Light" panose="020B0502040204020203" pitchFamily="34" charset="0"/>
-              </a:rPr>
-              <a:t>consequat</a:t>
-            </a:r>
-            <a:r>
-              <a:rPr lang="en-US" sz="1600" dirty="0">
-                <a:latin typeface="Bahnschrift Light" panose="020B0502040204020203" pitchFamily="34" charset="0"/>
-              </a:rPr>
-              <a:t>.</a:t>
-            </a:r>
+              <a:t>Experimenting top tier transformer architecture to filter out the optimal for this use-case</a:t>
+            </a:r>
+          </a:p>
+          <a:p>
+            <a:pPr marL="201168" lvl="1" indent="0" algn="just">
+              <a:lnSpc>
+                <a:spcPct val="150000"/>
+              </a:lnSpc>
+              <a:buNone/>
+            </a:pPr>
+            <a:endParaRPr lang="en-US" sz="1400" dirty="0">
+              <a:latin typeface="Bahnschrift Light" panose="020B0502040204020203" pitchFamily="34" charset="0"/>
+            </a:endParaRPr>
           </a:p>
           <a:p>
             <a:pPr algn="just">
@@ -6771,276 +6681,9 @@
                 <a:spcPct val="150000"/>
               </a:lnSpc>
             </a:pPr>
-            <a:r>
-              <a:rPr lang="en-US" sz="1600" dirty="0">
-                <a:latin typeface="Bahnschrift Light" panose="020B0502040204020203" pitchFamily="34" charset="0"/>
-              </a:rPr>
-              <a:t>Duis </a:t>
-            </a:r>
-            <a:r>
-              <a:rPr lang="en-US" sz="1600" dirty="0" err="1">
-                <a:latin typeface="Bahnschrift Light" panose="020B0502040204020203" pitchFamily="34" charset="0"/>
-              </a:rPr>
-              <a:t>aute</a:t>
-            </a:r>
-            <a:r>
-              <a:rPr lang="en-US" sz="1600" dirty="0">
-                <a:latin typeface="Bahnschrift Light" panose="020B0502040204020203" pitchFamily="34" charset="0"/>
-              </a:rPr>
-              <a:t> </a:t>
-            </a:r>
-            <a:r>
-              <a:rPr lang="en-US" sz="1600" dirty="0" err="1">
-                <a:latin typeface="Bahnschrift Light" panose="020B0502040204020203" pitchFamily="34" charset="0"/>
-              </a:rPr>
-              <a:t>irure</a:t>
-            </a:r>
-            <a:r>
-              <a:rPr lang="en-US" sz="1600" dirty="0">
-                <a:latin typeface="Bahnschrift Light" panose="020B0502040204020203" pitchFamily="34" charset="0"/>
-              </a:rPr>
-              <a:t> dolor in </a:t>
-            </a:r>
-            <a:r>
-              <a:rPr lang="en-US" sz="1600" dirty="0" err="1">
-                <a:latin typeface="Bahnschrift Light" panose="020B0502040204020203" pitchFamily="34" charset="0"/>
-              </a:rPr>
-              <a:t>reprehenderit</a:t>
-            </a:r>
-            <a:r>
-              <a:rPr lang="en-US" sz="1600" dirty="0">
-                <a:latin typeface="Bahnschrift Light" panose="020B0502040204020203" pitchFamily="34" charset="0"/>
-              </a:rPr>
-              <a:t> in </a:t>
-            </a:r>
-            <a:r>
-              <a:rPr lang="en-US" sz="1600" dirty="0" err="1">
-                <a:latin typeface="Bahnschrift Light" panose="020B0502040204020203" pitchFamily="34" charset="0"/>
-              </a:rPr>
-              <a:t>voluptate</a:t>
-            </a:r>
-            <a:r>
-              <a:rPr lang="en-US" sz="1600" dirty="0">
-                <a:latin typeface="Bahnschrift Light" panose="020B0502040204020203" pitchFamily="34" charset="0"/>
-              </a:rPr>
-              <a:t> </a:t>
-            </a:r>
-            <a:r>
-              <a:rPr lang="en-US" sz="1600" dirty="0" err="1">
-                <a:latin typeface="Bahnschrift Light" panose="020B0502040204020203" pitchFamily="34" charset="0"/>
-              </a:rPr>
-              <a:t>velit</a:t>
-            </a:r>
-            <a:r>
-              <a:rPr lang="en-US" sz="1600" dirty="0">
-                <a:latin typeface="Bahnschrift Light" panose="020B0502040204020203" pitchFamily="34" charset="0"/>
-              </a:rPr>
-              <a:t> </a:t>
-            </a:r>
-            <a:r>
-              <a:rPr lang="en-US" sz="1600" dirty="0" err="1">
-                <a:latin typeface="Bahnschrift Light" panose="020B0502040204020203" pitchFamily="34" charset="0"/>
-              </a:rPr>
-              <a:t>esse</a:t>
-            </a:r>
-            <a:r>
-              <a:rPr lang="en-US" sz="1600" dirty="0">
-                <a:latin typeface="Bahnschrift Light" panose="020B0502040204020203" pitchFamily="34" charset="0"/>
-              </a:rPr>
-              <a:t> </a:t>
-            </a:r>
-            <a:r>
-              <a:rPr lang="en-US" sz="1600" dirty="0" err="1">
-                <a:latin typeface="Bahnschrift Light" panose="020B0502040204020203" pitchFamily="34" charset="0"/>
-              </a:rPr>
-              <a:t>cillum</a:t>
-            </a:r>
-            <a:r>
-              <a:rPr lang="en-US" sz="1600" dirty="0">
-                <a:latin typeface="Bahnschrift Light" panose="020B0502040204020203" pitchFamily="34" charset="0"/>
-              </a:rPr>
-              <a:t> dolore </a:t>
-            </a:r>
-            <a:r>
-              <a:rPr lang="en-US" sz="1600" dirty="0" err="1">
-                <a:latin typeface="Bahnschrift Light" panose="020B0502040204020203" pitchFamily="34" charset="0"/>
-              </a:rPr>
-              <a:t>eu</a:t>
-            </a:r>
-            <a:r>
-              <a:rPr lang="en-US" sz="1600" dirty="0">
-                <a:latin typeface="Bahnschrift Light" panose="020B0502040204020203" pitchFamily="34" charset="0"/>
-              </a:rPr>
-              <a:t> </a:t>
-            </a:r>
-            <a:r>
-              <a:rPr lang="en-US" sz="1600" dirty="0" err="1">
-                <a:latin typeface="Bahnschrift Light" panose="020B0502040204020203" pitchFamily="34" charset="0"/>
-              </a:rPr>
-              <a:t>fugiat</a:t>
-            </a:r>
-            <a:r>
-              <a:rPr lang="en-US" sz="1600" dirty="0">
-                <a:latin typeface="Bahnschrift Light" panose="020B0502040204020203" pitchFamily="34" charset="0"/>
-              </a:rPr>
-              <a:t> </a:t>
-            </a:r>
-            <a:r>
-              <a:rPr lang="en-US" sz="1600" dirty="0" err="1">
-                <a:latin typeface="Bahnschrift Light" panose="020B0502040204020203" pitchFamily="34" charset="0"/>
-              </a:rPr>
-              <a:t>nulla</a:t>
-            </a:r>
-            <a:r>
-              <a:rPr lang="en-US" sz="1600" dirty="0">
-                <a:latin typeface="Bahnschrift Light" panose="020B0502040204020203" pitchFamily="34" charset="0"/>
-              </a:rPr>
-              <a:t> </a:t>
-            </a:r>
-            <a:r>
-              <a:rPr lang="en-US" sz="1600" dirty="0" err="1">
-                <a:latin typeface="Bahnschrift Light" panose="020B0502040204020203" pitchFamily="34" charset="0"/>
-              </a:rPr>
-              <a:t>pariatur</a:t>
-            </a:r>
-            <a:r>
-              <a:rPr lang="en-US" sz="1600" dirty="0">
-                <a:latin typeface="Bahnschrift Light" panose="020B0502040204020203" pitchFamily="34" charset="0"/>
-              </a:rPr>
-              <a:t>. </a:t>
-            </a:r>
-            <a:r>
-              <a:rPr lang="en-US" sz="1600" dirty="0" err="1">
-                <a:latin typeface="Bahnschrift Light" panose="020B0502040204020203" pitchFamily="34" charset="0"/>
-              </a:rPr>
-              <a:t>Excepteur</a:t>
-            </a:r>
-            <a:r>
-              <a:rPr lang="en-US" sz="1600" dirty="0">
-                <a:latin typeface="Bahnschrift Light" panose="020B0502040204020203" pitchFamily="34" charset="0"/>
-              </a:rPr>
-              <a:t> </a:t>
-            </a:r>
-            <a:r>
-              <a:rPr lang="en-US" sz="1600" dirty="0" err="1">
-                <a:latin typeface="Bahnschrift Light" panose="020B0502040204020203" pitchFamily="34" charset="0"/>
-              </a:rPr>
-              <a:t>sint</a:t>
-            </a:r>
-            <a:r>
-              <a:rPr lang="en-US" sz="1600" dirty="0">
-                <a:latin typeface="Bahnschrift Light" panose="020B0502040204020203" pitchFamily="34" charset="0"/>
-              </a:rPr>
-              <a:t> </a:t>
-            </a:r>
-            <a:r>
-              <a:rPr lang="en-US" sz="1600" dirty="0" err="1">
-                <a:latin typeface="Bahnschrift Light" panose="020B0502040204020203" pitchFamily="34" charset="0"/>
-              </a:rPr>
-              <a:t>occaecat</a:t>
-            </a:r>
-            <a:r>
-              <a:rPr lang="en-US" sz="1600" dirty="0">
-                <a:latin typeface="Bahnschrift Light" panose="020B0502040204020203" pitchFamily="34" charset="0"/>
-              </a:rPr>
-              <a:t> </a:t>
-            </a:r>
-            <a:r>
-              <a:rPr lang="en-US" sz="1600" dirty="0" err="1">
-                <a:latin typeface="Bahnschrift Light" panose="020B0502040204020203" pitchFamily="34" charset="0"/>
-              </a:rPr>
-              <a:t>cupidatat</a:t>
-            </a:r>
-            <a:r>
-              <a:rPr lang="en-US" sz="1600" dirty="0">
-                <a:latin typeface="Bahnschrift Light" panose="020B0502040204020203" pitchFamily="34" charset="0"/>
-              </a:rPr>
-              <a:t> non </a:t>
-            </a:r>
-            <a:r>
-              <a:rPr lang="en-US" sz="1600" dirty="0" err="1">
-                <a:latin typeface="Bahnschrift Light" panose="020B0502040204020203" pitchFamily="34" charset="0"/>
-              </a:rPr>
-              <a:t>proident</a:t>
-            </a:r>
-            <a:r>
-              <a:rPr lang="en-US" sz="1600" dirty="0">
-                <a:latin typeface="Bahnschrift Light" panose="020B0502040204020203" pitchFamily="34" charset="0"/>
-              </a:rPr>
-              <a:t>, sunt in culpa qui </a:t>
-            </a:r>
-            <a:r>
-              <a:rPr lang="en-US" sz="1600" dirty="0" err="1">
-                <a:latin typeface="Bahnschrift Light" panose="020B0502040204020203" pitchFamily="34" charset="0"/>
-              </a:rPr>
-              <a:t>officia</a:t>
-            </a:r>
-            <a:r>
-              <a:rPr lang="en-US" sz="1600" dirty="0">
-                <a:latin typeface="Bahnschrift Light" panose="020B0502040204020203" pitchFamily="34" charset="0"/>
-              </a:rPr>
-              <a:t> </a:t>
-            </a:r>
-            <a:r>
-              <a:rPr lang="en-US" sz="1600" dirty="0" err="1">
-                <a:latin typeface="Bahnschrift Light" panose="020B0502040204020203" pitchFamily="34" charset="0"/>
-              </a:rPr>
-              <a:t>deserunt</a:t>
-            </a:r>
-            <a:r>
-              <a:rPr lang="en-US" sz="1600" dirty="0">
-                <a:latin typeface="Bahnschrift Light" panose="020B0502040204020203" pitchFamily="34" charset="0"/>
-              </a:rPr>
-              <a:t> </a:t>
-            </a:r>
-            <a:r>
-              <a:rPr lang="en-US" sz="1600" dirty="0" err="1">
-                <a:latin typeface="Bahnschrift Light" panose="020B0502040204020203" pitchFamily="34" charset="0"/>
-              </a:rPr>
-              <a:t>mollit</a:t>
-            </a:r>
-            <a:r>
-              <a:rPr lang="en-US" sz="1600" dirty="0">
-                <a:latin typeface="Bahnschrift Light" panose="020B0502040204020203" pitchFamily="34" charset="0"/>
-              </a:rPr>
-              <a:t> </a:t>
-            </a:r>
-            <a:r>
-              <a:rPr lang="en-US" sz="1600" dirty="0" err="1">
-                <a:latin typeface="Bahnschrift Light" panose="020B0502040204020203" pitchFamily="34" charset="0"/>
-              </a:rPr>
-              <a:t>anim</a:t>
-            </a:r>
-            <a:r>
-              <a:rPr lang="en-US" sz="1600" dirty="0">
-                <a:latin typeface="Bahnschrift Light" panose="020B0502040204020203" pitchFamily="34" charset="0"/>
-              </a:rPr>
-              <a:t> id </a:t>
-            </a:r>
-            <a:r>
-              <a:rPr lang="en-US" sz="1600" dirty="0" err="1">
-                <a:latin typeface="Bahnschrift Light" panose="020B0502040204020203" pitchFamily="34" charset="0"/>
-              </a:rPr>
-              <a:t>est</a:t>
-            </a:r>
-            <a:r>
-              <a:rPr lang="en-US" sz="1600" dirty="0">
-                <a:latin typeface="Bahnschrift Light" panose="020B0502040204020203" pitchFamily="34" charset="0"/>
-              </a:rPr>
-              <a:t> </a:t>
-            </a:r>
-            <a:r>
-              <a:rPr lang="en-US" sz="1600" dirty="0" err="1">
-                <a:latin typeface="Bahnschrift Light" panose="020B0502040204020203" pitchFamily="34" charset="0"/>
-              </a:rPr>
-              <a:t>laborum</a:t>
-            </a:r>
-            <a:r>
-              <a:rPr lang="en-US" sz="1600" dirty="0">
-                <a:latin typeface="Bahnschrift Light" panose="020B0502040204020203" pitchFamily="34" charset="0"/>
-              </a:rPr>
-              <a:t>.</a:t>
-            </a:r>
+            <a:endParaRPr lang="en-US" sz="1600" dirty="0">
+              <a:latin typeface="Bahnschrift Light" panose="020B0502040204020203" pitchFamily="34" charset="0"/>
+            </a:endParaRPr>
           </a:p>
         </p:txBody>
       </p:sp>
@@ -7122,813 +6765,36 @@
           </a:p>
         </p:txBody>
       </p:sp>
-      <p:sp>
-        <p:nvSpPr>
-          <p:cNvPr id="21" name="Content Placeholder 11">
-            <a:extLst>
-              <a:ext uri="{FF2B5EF4-FFF2-40B4-BE49-F238E27FC236}">
-                <a16:creationId xmlns:a16="http://schemas.microsoft.com/office/drawing/2014/main" id="{D0BC6D82-2F2B-44CD-A891-EC0280CE6C50}"/>
-              </a:ext>
-            </a:extLst>
-          </p:cNvPr>
-          <p:cNvSpPr txBox="1">
-            <a:spLocks/>
-          </p:cNvSpPr>
+      <p:pic>
+        <p:nvPicPr>
+          <p:cNvPr id="2" name="Picture 1">
+            <a:extLst>
+              <a:ext uri="{FF2B5EF4-FFF2-40B4-BE49-F238E27FC236}">
+                <a16:creationId xmlns:a16="http://schemas.microsoft.com/office/drawing/2014/main" id="{7E5FC5EF-192A-43D2-8B66-8FAF66AA7D98}"/>
+              </a:ext>
+            </a:extLst>
+          </p:cNvPr>
+          <p:cNvPicPr>
+            <a:picLocks noChangeAspect="1"/>
+          </p:cNvPicPr>
           <p:nvPr/>
-        </p:nvSpPr>
+        </p:nvPicPr>
+        <p:blipFill>
+          <a:blip r:embed="rId2"/>
+          <a:stretch>
+            <a:fillRect/>
+          </a:stretch>
+        </p:blipFill>
         <p:spPr>
           <a:xfrm>
-            <a:off x="1097280" y="1674228"/>
-            <a:ext cx="9734713" cy="3323276"/>
+            <a:off x="3047736" y="1763885"/>
+            <a:ext cx="6096528" cy="3330229"/>
           </a:xfrm>
           <a:prstGeom prst="rect">
             <a:avLst/>
           </a:prstGeom>
         </p:spPr>
-        <p:txBody>
-          <a:bodyPr/>
-          <a:lstStyle>
-            <a:lvl1pPr marL="91440" indent="-91440" algn="l" defTabSz="914400" rtl="0" eaLnBrk="1" latinLnBrk="0" hangingPunct="1">
-              <a:lnSpc>
-                <a:spcPct val="100000"/>
-              </a:lnSpc>
-              <a:spcBef>
-                <a:spcPts val="1200"/>
-              </a:spcBef>
-              <a:spcAft>
-                <a:spcPts val="200"/>
-              </a:spcAft>
-              <a:buClr>
-                <a:schemeClr val="accent1"/>
-              </a:buClr>
-              <a:buSzPct val="100000"/>
-              <a:buFont typeface="Calibri" panose="020F0502020204030204" pitchFamily="34" charset="0"/>
-              <a:buChar char=" "/>
-              <a:defRPr sz="2000" kern="1200">
-                <a:solidFill>
-                  <a:schemeClr val="tx1">
-                    <a:lumMod val="75000"/>
-                    <a:lumOff val="25000"/>
-                  </a:schemeClr>
-                </a:solidFill>
-                <a:latin typeface="+mn-lt"/>
-                <a:ea typeface="+mn-ea"/>
-                <a:cs typeface="+mn-cs"/>
-              </a:defRPr>
-            </a:lvl1pPr>
-            <a:lvl2pPr marL="384048" indent="-182880" algn="l" defTabSz="914400" rtl="0" eaLnBrk="1" latinLnBrk="0" hangingPunct="1">
-              <a:lnSpc>
-                <a:spcPct val="100000"/>
-              </a:lnSpc>
-              <a:spcBef>
-                <a:spcPts val="200"/>
-              </a:spcBef>
-              <a:spcAft>
-                <a:spcPts val="400"/>
-              </a:spcAft>
-              <a:buClrTx/>
-              <a:buFont typeface="Calibri" pitchFamily="34" charset="0"/>
-              <a:buChar char="◦"/>
-              <a:defRPr sz="1800" kern="1200">
-                <a:solidFill>
-                  <a:schemeClr val="tx1">
-                    <a:lumMod val="75000"/>
-                    <a:lumOff val="25000"/>
-                  </a:schemeClr>
-                </a:solidFill>
-                <a:latin typeface="+mn-lt"/>
-                <a:ea typeface="+mn-ea"/>
-                <a:cs typeface="+mn-cs"/>
-              </a:defRPr>
-            </a:lvl2pPr>
-            <a:lvl3pPr marL="566928" indent="-182880" algn="l" defTabSz="914400" rtl="0" eaLnBrk="1" latinLnBrk="0" hangingPunct="1">
-              <a:lnSpc>
-                <a:spcPct val="100000"/>
-              </a:lnSpc>
-              <a:spcBef>
-                <a:spcPts val="200"/>
-              </a:spcBef>
-              <a:spcAft>
-                <a:spcPts val="400"/>
-              </a:spcAft>
-              <a:buClrTx/>
-              <a:buFont typeface="Calibri" pitchFamily="34" charset="0"/>
-              <a:buChar char="◦"/>
-              <a:defRPr sz="1400" kern="1200">
-                <a:solidFill>
-                  <a:schemeClr val="tx1">
-                    <a:lumMod val="75000"/>
-                    <a:lumOff val="25000"/>
-                  </a:schemeClr>
-                </a:solidFill>
-                <a:latin typeface="+mn-lt"/>
-                <a:ea typeface="+mn-ea"/>
-                <a:cs typeface="+mn-cs"/>
-              </a:defRPr>
-            </a:lvl3pPr>
-            <a:lvl4pPr marL="749808" indent="-182880" algn="l" defTabSz="914400" rtl="0" eaLnBrk="1" latinLnBrk="0" hangingPunct="1">
-              <a:lnSpc>
-                <a:spcPct val="100000"/>
-              </a:lnSpc>
-              <a:spcBef>
-                <a:spcPts val="200"/>
-              </a:spcBef>
-              <a:spcAft>
-                <a:spcPts val="400"/>
-              </a:spcAft>
-              <a:buClrTx/>
-              <a:buFont typeface="Calibri" pitchFamily="34" charset="0"/>
-              <a:buChar char="◦"/>
-              <a:defRPr sz="1400" kern="1200">
-                <a:solidFill>
-                  <a:schemeClr val="tx1">
-                    <a:lumMod val="75000"/>
-                    <a:lumOff val="25000"/>
-                  </a:schemeClr>
-                </a:solidFill>
-                <a:latin typeface="+mn-lt"/>
-                <a:ea typeface="+mn-ea"/>
-                <a:cs typeface="+mn-cs"/>
-              </a:defRPr>
-            </a:lvl4pPr>
-            <a:lvl5pPr marL="932688" indent="-182880" algn="l" defTabSz="914400" rtl="0" eaLnBrk="1" latinLnBrk="0" hangingPunct="1">
-              <a:lnSpc>
-                <a:spcPct val="100000"/>
-              </a:lnSpc>
-              <a:spcBef>
-                <a:spcPts val="200"/>
-              </a:spcBef>
-              <a:spcAft>
-                <a:spcPts val="400"/>
-              </a:spcAft>
-              <a:buClrTx/>
-              <a:buFont typeface="Calibri" pitchFamily="34" charset="0"/>
-              <a:buChar char="◦"/>
-              <a:defRPr sz="1400" kern="1200">
-                <a:solidFill>
-                  <a:schemeClr val="tx1">
-                    <a:lumMod val="75000"/>
-                    <a:lumOff val="25000"/>
-                  </a:schemeClr>
-                </a:solidFill>
-                <a:latin typeface="+mn-lt"/>
-                <a:ea typeface="+mn-ea"/>
-                <a:cs typeface="+mn-cs"/>
-              </a:defRPr>
-            </a:lvl5pPr>
-            <a:lvl6pPr marL="1100000" indent="-228600" algn="l" defTabSz="914400" rtl="0" eaLnBrk="1" latinLnBrk="0" hangingPunct="1">
-              <a:lnSpc>
-                <a:spcPct val="90000"/>
-              </a:lnSpc>
-              <a:spcBef>
-                <a:spcPts val="200"/>
-              </a:spcBef>
-              <a:spcAft>
-                <a:spcPts val="400"/>
-              </a:spcAft>
-              <a:buClr>
-                <a:schemeClr val="accent1"/>
-              </a:buClr>
-              <a:buFont typeface="Calibri" pitchFamily="34" charset="0"/>
-              <a:buChar char="◦"/>
-              <a:defRPr sz="1400" kern="1200">
-                <a:solidFill>
-                  <a:schemeClr val="tx1">
-                    <a:lumMod val="75000"/>
-                    <a:lumOff val="25000"/>
-                  </a:schemeClr>
-                </a:solidFill>
-                <a:latin typeface="+mn-lt"/>
-                <a:ea typeface="+mn-ea"/>
-                <a:cs typeface="+mn-cs"/>
-              </a:defRPr>
-            </a:lvl6pPr>
-            <a:lvl7pPr marL="1300000" indent="-228600" algn="l" defTabSz="914400" rtl="0" eaLnBrk="1" latinLnBrk="0" hangingPunct="1">
-              <a:lnSpc>
-                <a:spcPct val="90000"/>
-              </a:lnSpc>
-              <a:spcBef>
-                <a:spcPts val="200"/>
-              </a:spcBef>
-              <a:spcAft>
-                <a:spcPts val="400"/>
-              </a:spcAft>
-              <a:buClr>
-                <a:schemeClr val="accent1"/>
-              </a:buClr>
-              <a:buFont typeface="Calibri" pitchFamily="34" charset="0"/>
-              <a:buChar char="◦"/>
-              <a:defRPr sz="1400" kern="1200">
-                <a:solidFill>
-                  <a:schemeClr val="tx1">
-                    <a:lumMod val="75000"/>
-                    <a:lumOff val="25000"/>
-                  </a:schemeClr>
-                </a:solidFill>
-                <a:latin typeface="+mn-lt"/>
-                <a:ea typeface="+mn-ea"/>
-                <a:cs typeface="+mn-cs"/>
-              </a:defRPr>
-            </a:lvl7pPr>
-            <a:lvl8pPr marL="1500000" indent="-228600" algn="l" defTabSz="914400" rtl="0" eaLnBrk="1" latinLnBrk="0" hangingPunct="1">
-              <a:lnSpc>
-                <a:spcPct val="90000"/>
-              </a:lnSpc>
-              <a:spcBef>
-                <a:spcPts val="200"/>
-              </a:spcBef>
-              <a:spcAft>
-                <a:spcPts val="400"/>
-              </a:spcAft>
-              <a:buClr>
-                <a:schemeClr val="accent1"/>
-              </a:buClr>
-              <a:buFont typeface="Calibri" pitchFamily="34" charset="0"/>
-              <a:buChar char="◦"/>
-              <a:defRPr sz="1400" kern="1200">
-                <a:solidFill>
-                  <a:schemeClr val="tx1">
-                    <a:lumMod val="75000"/>
-                    <a:lumOff val="25000"/>
-                  </a:schemeClr>
-                </a:solidFill>
-                <a:latin typeface="+mn-lt"/>
-                <a:ea typeface="+mn-ea"/>
-                <a:cs typeface="+mn-cs"/>
-              </a:defRPr>
-            </a:lvl8pPr>
-            <a:lvl9pPr marL="1700000" indent="-228600" algn="l" defTabSz="914400" rtl="0" eaLnBrk="1" latinLnBrk="0" hangingPunct="1">
-              <a:lnSpc>
-                <a:spcPct val="90000"/>
-              </a:lnSpc>
-              <a:spcBef>
-                <a:spcPts val="200"/>
-              </a:spcBef>
-              <a:spcAft>
-                <a:spcPts val="400"/>
-              </a:spcAft>
-              <a:buClr>
-                <a:schemeClr val="accent1"/>
-              </a:buClr>
-              <a:buFont typeface="Calibri" pitchFamily="34" charset="0"/>
-              <a:buChar char="◦"/>
-              <a:defRPr sz="1400" kern="1200">
-                <a:solidFill>
-                  <a:schemeClr val="tx1">
-                    <a:lumMod val="75000"/>
-                    <a:lumOff val="25000"/>
-                  </a:schemeClr>
-                </a:solidFill>
-                <a:latin typeface="+mn-lt"/>
-                <a:ea typeface="+mn-ea"/>
-                <a:cs typeface="+mn-cs"/>
-              </a:defRPr>
-            </a:lvl9pPr>
-          </a:lstStyle>
-          <a:p>
-            <a:pPr algn="just">
-              <a:lnSpc>
-                <a:spcPct val="150000"/>
-              </a:lnSpc>
-            </a:pPr>
-            <a:r>
-              <a:rPr lang="en-US" sz="1600" dirty="0">
-                <a:latin typeface="Bahnschrift Light" panose="020B0502040204020203" pitchFamily="34" charset="0"/>
-              </a:rPr>
-              <a:t>Lorem ipsum dolor sit </a:t>
-            </a:r>
-            <a:r>
-              <a:rPr lang="en-US" sz="1600" dirty="0" err="1">
-                <a:latin typeface="Bahnschrift Light" panose="020B0502040204020203" pitchFamily="34" charset="0"/>
-              </a:rPr>
-              <a:t>amet</a:t>
-            </a:r>
-            <a:r>
-              <a:rPr lang="en-US" sz="1600" dirty="0">
-                <a:latin typeface="Bahnschrift Light" panose="020B0502040204020203" pitchFamily="34" charset="0"/>
-              </a:rPr>
-              <a:t>, </a:t>
-            </a:r>
-            <a:r>
-              <a:rPr lang="en-US" sz="1600" dirty="0" err="1">
-                <a:latin typeface="Bahnschrift Light" panose="020B0502040204020203" pitchFamily="34" charset="0"/>
-              </a:rPr>
-              <a:t>consectetur</a:t>
-            </a:r>
-            <a:r>
-              <a:rPr lang="en-US" sz="1600" dirty="0">
-                <a:latin typeface="Bahnschrift Light" panose="020B0502040204020203" pitchFamily="34" charset="0"/>
-              </a:rPr>
-              <a:t> </a:t>
-            </a:r>
-            <a:r>
-              <a:rPr lang="en-US" sz="1600" dirty="0" err="1">
-                <a:latin typeface="Bahnschrift Light" panose="020B0502040204020203" pitchFamily="34" charset="0"/>
-              </a:rPr>
-              <a:t>adipiscing</a:t>
-            </a:r>
-            <a:r>
-              <a:rPr lang="en-US" sz="1600" dirty="0">
-                <a:latin typeface="Bahnschrift Light" panose="020B0502040204020203" pitchFamily="34" charset="0"/>
-              </a:rPr>
-              <a:t> </a:t>
-            </a:r>
-            <a:r>
-              <a:rPr lang="en-US" sz="1600" dirty="0" err="1">
-                <a:latin typeface="Bahnschrift Light" panose="020B0502040204020203" pitchFamily="34" charset="0"/>
-              </a:rPr>
-              <a:t>elit</a:t>
-            </a:r>
-            <a:r>
-              <a:rPr lang="en-US" sz="1600" dirty="0">
-                <a:latin typeface="Bahnschrift Light" panose="020B0502040204020203" pitchFamily="34" charset="0"/>
-              </a:rPr>
-              <a:t>, sed do </a:t>
-            </a:r>
-            <a:r>
-              <a:rPr lang="en-US" sz="1600" dirty="0" err="1">
-                <a:latin typeface="Bahnschrift Light" panose="020B0502040204020203" pitchFamily="34" charset="0"/>
-              </a:rPr>
-              <a:t>eiusmod</a:t>
-            </a:r>
-            <a:r>
-              <a:rPr lang="en-US" sz="1600" dirty="0">
-                <a:latin typeface="Bahnschrift Light" panose="020B0502040204020203" pitchFamily="34" charset="0"/>
-              </a:rPr>
-              <a:t> </a:t>
-            </a:r>
-            <a:r>
-              <a:rPr lang="en-US" sz="1600" dirty="0" err="1">
-                <a:latin typeface="Bahnschrift Light" panose="020B0502040204020203" pitchFamily="34" charset="0"/>
-              </a:rPr>
-              <a:t>tempor</a:t>
-            </a:r>
-            <a:r>
-              <a:rPr lang="en-US" sz="1600" dirty="0">
-                <a:latin typeface="Bahnschrift Light" panose="020B0502040204020203" pitchFamily="34" charset="0"/>
-              </a:rPr>
-              <a:t> </a:t>
-            </a:r>
-            <a:r>
-              <a:rPr lang="en-US" sz="1600" dirty="0" err="1">
-                <a:latin typeface="Bahnschrift Light" panose="020B0502040204020203" pitchFamily="34" charset="0"/>
-              </a:rPr>
-              <a:t>incididunt</a:t>
-            </a:r>
-            <a:r>
-              <a:rPr lang="en-US" sz="1600" dirty="0">
-                <a:latin typeface="Bahnschrift Light" panose="020B0502040204020203" pitchFamily="34" charset="0"/>
-              </a:rPr>
-              <a:t> </a:t>
-            </a:r>
-            <a:r>
-              <a:rPr lang="en-US" sz="1600" dirty="0" err="1">
-                <a:latin typeface="Bahnschrift Light" panose="020B0502040204020203" pitchFamily="34" charset="0"/>
-              </a:rPr>
-              <a:t>ut</a:t>
-            </a:r>
-            <a:r>
-              <a:rPr lang="en-US" sz="1600" dirty="0">
-                <a:latin typeface="Bahnschrift Light" panose="020B0502040204020203" pitchFamily="34" charset="0"/>
-              </a:rPr>
-              <a:t> </a:t>
-            </a:r>
-            <a:r>
-              <a:rPr lang="en-US" sz="1600" dirty="0" err="1">
-                <a:latin typeface="Bahnschrift Light" panose="020B0502040204020203" pitchFamily="34" charset="0"/>
-              </a:rPr>
-              <a:t>labore</a:t>
-            </a:r>
-            <a:r>
-              <a:rPr lang="en-US" sz="1600" dirty="0">
-                <a:latin typeface="Bahnschrift Light" panose="020B0502040204020203" pitchFamily="34" charset="0"/>
-              </a:rPr>
-              <a:t> et dolore magna </a:t>
-            </a:r>
-            <a:r>
-              <a:rPr lang="en-US" sz="1600" dirty="0" err="1">
-                <a:latin typeface="Bahnschrift Light" panose="020B0502040204020203" pitchFamily="34" charset="0"/>
-              </a:rPr>
-              <a:t>aliqua</a:t>
-            </a:r>
-            <a:r>
-              <a:rPr lang="en-US" sz="1600" dirty="0">
-                <a:latin typeface="Bahnschrift Light" panose="020B0502040204020203" pitchFamily="34" charset="0"/>
-              </a:rPr>
-              <a:t>. Ut </a:t>
-            </a:r>
-            <a:r>
-              <a:rPr lang="en-US" sz="1600" dirty="0" err="1">
-                <a:latin typeface="Bahnschrift Light" panose="020B0502040204020203" pitchFamily="34" charset="0"/>
-              </a:rPr>
-              <a:t>enim</a:t>
-            </a:r>
-            <a:r>
-              <a:rPr lang="en-US" sz="1600" dirty="0">
-                <a:latin typeface="Bahnschrift Light" panose="020B0502040204020203" pitchFamily="34" charset="0"/>
-              </a:rPr>
-              <a:t> ad minim </a:t>
-            </a:r>
-            <a:r>
-              <a:rPr lang="en-US" sz="1600" dirty="0" err="1">
-                <a:latin typeface="Bahnschrift Light" panose="020B0502040204020203" pitchFamily="34" charset="0"/>
-              </a:rPr>
-              <a:t>veniam</a:t>
-            </a:r>
-            <a:r>
-              <a:rPr lang="en-US" sz="1600" dirty="0">
-                <a:latin typeface="Bahnschrift Light" panose="020B0502040204020203" pitchFamily="34" charset="0"/>
-              </a:rPr>
-              <a:t>, </a:t>
-            </a:r>
-            <a:r>
-              <a:rPr lang="en-US" sz="1600" dirty="0" err="1">
-                <a:latin typeface="Bahnschrift Light" panose="020B0502040204020203" pitchFamily="34" charset="0"/>
-              </a:rPr>
-              <a:t>quis</a:t>
-            </a:r>
-            <a:r>
-              <a:rPr lang="en-US" sz="1600" dirty="0">
-                <a:latin typeface="Bahnschrift Light" panose="020B0502040204020203" pitchFamily="34" charset="0"/>
-              </a:rPr>
-              <a:t> </a:t>
-            </a:r>
-            <a:r>
-              <a:rPr lang="en-US" sz="1600" dirty="0" err="1">
-                <a:latin typeface="Bahnschrift Light" panose="020B0502040204020203" pitchFamily="34" charset="0"/>
-              </a:rPr>
-              <a:t>nostrud</a:t>
-            </a:r>
-            <a:r>
-              <a:rPr lang="en-US" sz="1600" dirty="0">
-                <a:latin typeface="Bahnschrift Light" panose="020B0502040204020203" pitchFamily="34" charset="0"/>
-              </a:rPr>
-              <a:t> exercitation </a:t>
-            </a:r>
-            <a:r>
-              <a:rPr lang="en-US" sz="1600" dirty="0" err="1">
-                <a:latin typeface="Bahnschrift Light" panose="020B0502040204020203" pitchFamily="34" charset="0"/>
-              </a:rPr>
-              <a:t>ullamco</a:t>
-            </a:r>
-            <a:r>
-              <a:rPr lang="en-US" sz="1600" dirty="0">
-                <a:latin typeface="Bahnschrift Light" panose="020B0502040204020203" pitchFamily="34" charset="0"/>
-              </a:rPr>
-              <a:t> </a:t>
-            </a:r>
-            <a:r>
-              <a:rPr lang="en-US" sz="1600" dirty="0" err="1">
-                <a:latin typeface="Bahnschrift Light" panose="020B0502040204020203" pitchFamily="34" charset="0"/>
-              </a:rPr>
-              <a:t>laboris</a:t>
-            </a:r>
-            <a:r>
-              <a:rPr lang="en-US" sz="1600" dirty="0">
-                <a:latin typeface="Bahnschrift Light" panose="020B0502040204020203" pitchFamily="34" charset="0"/>
-              </a:rPr>
-              <a:t> nisi </a:t>
-            </a:r>
-            <a:r>
-              <a:rPr lang="en-US" sz="1600" dirty="0" err="1">
-                <a:latin typeface="Bahnschrift Light" panose="020B0502040204020203" pitchFamily="34" charset="0"/>
-              </a:rPr>
-              <a:t>ut</a:t>
-            </a:r>
-            <a:r>
-              <a:rPr lang="en-US" sz="1600" dirty="0">
-                <a:latin typeface="Bahnschrift Light" panose="020B0502040204020203" pitchFamily="34" charset="0"/>
-              </a:rPr>
-              <a:t> </a:t>
-            </a:r>
-            <a:r>
-              <a:rPr lang="en-US" sz="1600" dirty="0" err="1">
-                <a:latin typeface="Bahnschrift Light" panose="020B0502040204020203" pitchFamily="34" charset="0"/>
-              </a:rPr>
-              <a:t>aliquip</a:t>
-            </a:r>
-            <a:r>
-              <a:rPr lang="en-US" sz="1600" dirty="0">
-                <a:latin typeface="Bahnschrift Light" panose="020B0502040204020203" pitchFamily="34" charset="0"/>
-              </a:rPr>
-              <a:t> ex </a:t>
-            </a:r>
-            <a:r>
-              <a:rPr lang="en-US" sz="1600" dirty="0" err="1">
-                <a:latin typeface="Bahnschrift Light" panose="020B0502040204020203" pitchFamily="34" charset="0"/>
-              </a:rPr>
-              <a:t>ea</a:t>
-            </a:r>
-            <a:r>
-              <a:rPr lang="en-US" sz="1600" dirty="0">
-                <a:latin typeface="Bahnschrift Light" panose="020B0502040204020203" pitchFamily="34" charset="0"/>
-              </a:rPr>
-              <a:t> </a:t>
-            </a:r>
-            <a:r>
-              <a:rPr lang="en-US" sz="1600" dirty="0" err="1">
-                <a:latin typeface="Bahnschrift Light" panose="020B0502040204020203" pitchFamily="34" charset="0"/>
-              </a:rPr>
-              <a:t>commodo</a:t>
-            </a:r>
-            <a:r>
-              <a:rPr lang="en-US" sz="1600" dirty="0">
-                <a:latin typeface="Bahnschrift Light" panose="020B0502040204020203" pitchFamily="34" charset="0"/>
-              </a:rPr>
-              <a:t> </a:t>
-            </a:r>
-            <a:r>
-              <a:rPr lang="en-US" sz="1600" dirty="0" err="1">
-                <a:latin typeface="Bahnschrift Light" panose="020B0502040204020203" pitchFamily="34" charset="0"/>
-              </a:rPr>
-              <a:t>consequat</a:t>
-            </a:r>
-            <a:r>
-              <a:rPr lang="en-US" sz="1600" dirty="0">
-                <a:latin typeface="Bahnschrift Light" panose="020B0502040204020203" pitchFamily="34" charset="0"/>
-              </a:rPr>
-              <a:t>.</a:t>
-            </a:r>
-          </a:p>
-          <a:p>
-            <a:pPr algn="just">
-              <a:lnSpc>
-                <a:spcPct val="150000"/>
-              </a:lnSpc>
-            </a:pPr>
-            <a:r>
-              <a:rPr lang="en-US" sz="1600" dirty="0">
-                <a:latin typeface="Bahnschrift Light" panose="020B0502040204020203" pitchFamily="34" charset="0"/>
-              </a:rPr>
-              <a:t>Duis </a:t>
-            </a:r>
-            <a:r>
-              <a:rPr lang="en-US" sz="1600" dirty="0" err="1">
-                <a:latin typeface="Bahnschrift Light" panose="020B0502040204020203" pitchFamily="34" charset="0"/>
-              </a:rPr>
-              <a:t>aute</a:t>
-            </a:r>
-            <a:r>
-              <a:rPr lang="en-US" sz="1600" dirty="0">
-                <a:latin typeface="Bahnschrift Light" panose="020B0502040204020203" pitchFamily="34" charset="0"/>
-              </a:rPr>
-              <a:t> </a:t>
-            </a:r>
-            <a:r>
-              <a:rPr lang="en-US" sz="1600" dirty="0" err="1">
-                <a:latin typeface="Bahnschrift Light" panose="020B0502040204020203" pitchFamily="34" charset="0"/>
-              </a:rPr>
-              <a:t>irure</a:t>
-            </a:r>
-            <a:r>
-              <a:rPr lang="en-US" sz="1600" dirty="0">
-                <a:latin typeface="Bahnschrift Light" panose="020B0502040204020203" pitchFamily="34" charset="0"/>
-              </a:rPr>
-              <a:t> dolor in </a:t>
-            </a:r>
-            <a:r>
-              <a:rPr lang="en-US" sz="1600" dirty="0" err="1">
-                <a:latin typeface="Bahnschrift Light" panose="020B0502040204020203" pitchFamily="34" charset="0"/>
-              </a:rPr>
-              <a:t>reprehenderit</a:t>
-            </a:r>
-            <a:r>
-              <a:rPr lang="en-US" sz="1600" dirty="0">
-                <a:latin typeface="Bahnschrift Light" panose="020B0502040204020203" pitchFamily="34" charset="0"/>
-              </a:rPr>
-              <a:t> in </a:t>
-            </a:r>
-            <a:r>
-              <a:rPr lang="en-US" sz="1600" dirty="0" err="1">
-                <a:latin typeface="Bahnschrift Light" panose="020B0502040204020203" pitchFamily="34" charset="0"/>
-              </a:rPr>
-              <a:t>voluptate</a:t>
-            </a:r>
-            <a:r>
-              <a:rPr lang="en-US" sz="1600" dirty="0">
-                <a:latin typeface="Bahnschrift Light" panose="020B0502040204020203" pitchFamily="34" charset="0"/>
-              </a:rPr>
-              <a:t> </a:t>
-            </a:r>
-            <a:r>
-              <a:rPr lang="en-US" sz="1600" dirty="0" err="1">
-                <a:latin typeface="Bahnschrift Light" panose="020B0502040204020203" pitchFamily="34" charset="0"/>
-              </a:rPr>
-              <a:t>velit</a:t>
-            </a:r>
-            <a:r>
-              <a:rPr lang="en-US" sz="1600" dirty="0">
-                <a:latin typeface="Bahnschrift Light" panose="020B0502040204020203" pitchFamily="34" charset="0"/>
-              </a:rPr>
-              <a:t> </a:t>
-            </a:r>
-            <a:r>
-              <a:rPr lang="en-US" sz="1600" dirty="0" err="1">
-                <a:latin typeface="Bahnschrift Light" panose="020B0502040204020203" pitchFamily="34" charset="0"/>
-              </a:rPr>
-              <a:t>esse</a:t>
-            </a:r>
-            <a:r>
-              <a:rPr lang="en-US" sz="1600" dirty="0">
-                <a:latin typeface="Bahnschrift Light" panose="020B0502040204020203" pitchFamily="34" charset="0"/>
-              </a:rPr>
-              <a:t> </a:t>
-            </a:r>
-            <a:r>
-              <a:rPr lang="en-US" sz="1600" dirty="0" err="1">
-                <a:latin typeface="Bahnschrift Light" panose="020B0502040204020203" pitchFamily="34" charset="0"/>
-              </a:rPr>
-              <a:t>cillum</a:t>
-            </a:r>
-            <a:r>
-              <a:rPr lang="en-US" sz="1600" dirty="0">
-                <a:latin typeface="Bahnschrift Light" panose="020B0502040204020203" pitchFamily="34" charset="0"/>
-              </a:rPr>
-              <a:t> dolore </a:t>
-            </a:r>
-            <a:r>
-              <a:rPr lang="en-US" sz="1600" dirty="0" err="1">
-                <a:latin typeface="Bahnschrift Light" panose="020B0502040204020203" pitchFamily="34" charset="0"/>
-              </a:rPr>
-              <a:t>eu</a:t>
-            </a:r>
-            <a:r>
-              <a:rPr lang="en-US" sz="1600" dirty="0">
-                <a:latin typeface="Bahnschrift Light" panose="020B0502040204020203" pitchFamily="34" charset="0"/>
-              </a:rPr>
-              <a:t> </a:t>
-            </a:r>
-            <a:r>
-              <a:rPr lang="en-US" sz="1600" dirty="0" err="1">
-                <a:latin typeface="Bahnschrift Light" panose="020B0502040204020203" pitchFamily="34" charset="0"/>
-              </a:rPr>
-              <a:t>fugiat</a:t>
-            </a:r>
-            <a:r>
-              <a:rPr lang="en-US" sz="1600" dirty="0">
-                <a:latin typeface="Bahnschrift Light" panose="020B0502040204020203" pitchFamily="34" charset="0"/>
-              </a:rPr>
-              <a:t> </a:t>
-            </a:r>
-            <a:r>
-              <a:rPr lang="en-US" sz="1600" dirty="0" err="1">
-                <a:latin typeface="Bahnschrift Light" panose="020B0502040204020203" pitchFamily="34" charset="0"/>
-              </a:rPr>
-              <a:t>nulla</a:t>
-            </a:r>
-            <a:r>
-              <a:rPr lang="en-US" sz="1600" dirty="0">
-                <a:latin typeface="Bahnschrift Light" panose="020B0502040204020203" pitchFamily="34" charset="0"/>
-              </a:rPr>
-              <a:t> </a:t>
-            </a:r>
-            <a:r>
-              <a:rPr lang="en-US" sz="1600" dirty="0" err="1">
-                <a:latin typeface="Bahnschrift Light" panose="020B0502040204020203" pitchFamily="34" charset="0"/>
-              </a:rPr>
-              <a:t>pariatur</a:t>
-            </a:r>
-            <a:r>
-              <a:rPr lang="en-US" sz="1600" dirty="0">
-                <a:latin typeface="Bahnschrift Light" panose="020B0502040204020203" pitchFamily="34" charset="0"/>
-              </a:rPr>
-              <a:t>. </a:t>
-            </a:r>
-            <a:r>
-              <a:rPr lang="en-US" sz="1600" dirty="0" err="1">
-                <a:latin typeface="Bahnschrift Light" panose="020B0502040204020203" pitchFamily="34" charset="0"/>
-              </a:rPr>
-              <a:t>Excepteur</a:t>
-            </a:r>
-            <a:r>
-              <a:rPr lang="en-US" sz="1600" dirty="0">
-                <a:latin typeface="Bahnschrift Light" panose="020B0502040204020203" pitchFamily="34" charset="0"/>
-              </a:rPr>
-              <a:t> </a:t>
-            </a:r>
-            <a:r>
-              <a:rPr lang="en-US" sz="1600" dirty="0" err="1">
-                <a:latin typeface="Bahnschrift Light" panose="020B0502040204020203" pitchFamily="34" charset="0"/>
-              </a:rPr>
-              <a:t>sint</a:t>
-            </a:r>
-            <a:r>
-              <a:rPr lang="en-US" sz="1600" dirty="0">
-                <a:latin typeface="Bahnschrift Light" panose="020B0502040204020203" pitchFamily="34" charset="0"/>
-              </a:rPr>
-              <a:t> </a:t>
-            </a:r>
-            <a:r>
-              <a:rPr lang="en-US" sz="1600" dirty="0" err="1">
-                <a:latin typeface="Bahnschrift Light" panose="020B0502040204020203" pitchFamily="34" charset="0"/>
-              </a:rPr>
-              <a:t>occaecat</a:t>
-            </a:r>
-            <a:r>
-              <a:rPr lang="en-US" sz="1600" dirty="0">
-                <a:latin typeface="Bahnschrift Light" panose="020B0502040204020203" pitchFamily="34" charset="0"/>
-              </a:rPr>
-              <a:t> </a:t>
-            </a:r>
-            <a:r>
-              <a:rPr lang="en-US" sz="1600" dirty="0" err="1">
-                <a:latin typeface="Bahnschrift Light" panose="020B0502040204020203" pitchFamily="34" charset="0"/>
-              </a:rPr>
-              <a:t>cupidatat</a:t>
-            </a:r>
-            <a:r>
-              <a:rPr lang="en-US" sz="1600" dirty="0">
-                <a:latin typeface="Bahnschrift Light" panose="020B0502040204020203" pitchFamily="34" charset="0"/>
-              </a:rPr>
-              <a:t> non </a:t>
-            </a:r>
-            <a:r>
-              <a:rPr lang="en-US" sz="1600" dirty="0" err="1">
-                <a:latin typeface="Bahnschrift Light" panose="020B0502040204020203" pitchFamily="34" charset="0"/>
-              </a:rPr>
-              <a:t>proident</a:t>
-            </a:r>
-            <a:r>
-              <a:rPr lang="en-US" sz="1600" dirty="0">
-                <a:latin typeface="Bahnschrift Light" panose="020B0502040204020203" pitchFamily="34" charset="0"/>
-              </a:rPr>
-              <a:t>, sunt in culpa qui </a:t>
-            </a:r>
-            <a:r>
-              <a:rPr lang="en-US" sz="1600" dirty="0" err="1">
-                <a:latin typeface="Bahnschrift Light" panose="020B0502040204020203" pitchFamily="34" charset="0"/>
-              </a:rPr>
-              <a:t>officia</a:t>
-            </a:r>
-            <a:r>
-              <a:rPr lang="en-US" sz="1600" dirty="0">
-                <a:latin typeface="Bahnschrift Light" panose="020B0502040204020203" pitchFamily="34" charset="0"/>
-              </a:rPr>
-              <a:t> </a:t>
-            </a:r>
-            <a:r>
-              <a:rPr lang="en-US" sz="1600" dirty="0" err="1">
-                <a:latin typeface="Bahnschrift Light" panose="020B0502040204020203" pitchFamily="34" charset="0"/>
-              </a:rPr>
-              <a:t>deserunt</a:t>
-            </a:r>
-            <a:r>
-              <a:rPr lang="en-US" sz="1600" dirty="0">
-                <a:latin typeface="Bahnschrift Light" panose="020B0502040204020203" pitchFamily="34" charset="0"/>
-              </a:rPr>
-              <a:t> </a:t>
-            </a:r>
-            <a:r>
-              <a:rPr lang="en-US" sz="1600" dirty="0" err="1">
-                <a:latin typeface="Bahnschrift Light" panose="020B0502040204020203" pitchFamily="34" charset="0"/>
-              </a:rPr>
-              <a:t>mollit</a:t>
-            </a:r>
-            <a:r>
-              <a:rPr lang="en-US" sz="1600" dirty="0">
-                <a:latin typeface="Bahnschrift Light" panose="020B0502040204020203" pitchFamily="34" charset="0"/>
-              </a:rPr>
-              <a:t> </a:t>
-            </a:r>
-            <a:r>
-              <a:rPr lang="en-US" sz="1600" dirty="0" err="1">
-                <a:latin typeface="Bahnschrift Light" panose="020B0502040204020203" pitchFamily="34" charset="0"/>
-              </a:rPr>
-              <a:t>anim</a:t>
-            </a:r>
-            <a:r>
-              <a:rPr lang="en-US" sz="1600" dirty="0">
-                <a:latin typeface="Bahnschrift Light" panose="020B0502040204020203" pitchFamily="34" charset="0"/>
-              </a:rPr>
-              <a:t> id </a:t>
-            </a:r>
-            <a:r>
-              <a:rPr lang="en-US" sz="1600" dirty="0" err="1">
-                <a:latin typeface="Bahnschrift Light" panose="020B0502040204020203" pitchFamily="34" charset="0"/>
-              </a:rPr>
-              <a:t>est</a:t>
-            </a:r>
-            <a:r>
-              <a:rPr lang="en-US" sz="1600" dirty="0">
-                <a:latin typeface="Bahnschrift Light" panose="020B0502040204020203" pitchFamily="34" charset="0"/>
-              </a:rPr>
-              <a:t> </a:t>
-            </a:r>
-            <a:r>
-              <a:rPr lang="en-US" sz="1600" dirty="0" err="1">
-                <a:latin typeface="Bahnschrift Light" panose="020B0502040204020203" pitchFamily="34" charset="0"/>
-              </a:rPr>
-              <a:t>laborum</a:t>
-            </a:r>
-            <a:r>
-              <a:rPr lang="en-US" sz="1600" dirty="0">
-                <a:latin typeface="Bahnschrift Light" panose="020B0502040204020203" pitchFamily="34" charset="0"/>
-              </a:rPr>
-              <a:t>.</a:t>
-            </a:r>
-          </a:p>
-        </p:txBody>
-      </p:sp>
+      </p:pic>
     </p:spTree>
     <p:extLst>
       <p:ext uri="{BB962C8B-B14F-4D97-AF65-F5344CB8AC3E}">
@@ -7996,809 +6862,67 @@
           </a:p>
         </p:txBody>
       </p:sp>
-      <p:sp>
-        <p:nvSpPr>
-          <p:cNvPr id="9" name="Content Placeholder 11">
-            <a:extLst>
-              <a:ext uri="{FF2B5EF4-FFF2-40B4-BE49-F238E27FC236}">
-                <a16:creationId xmlns:a16="http://schemas.microsoft.com/office/drawing/2014/main" id="{01120CAC-053C-4533-B98A-F5CEAA8C8B26}"/>
-              </a:ext>
-            </a:extLst>
-          </p:cNvPr>
-          <p:cNvSpPr txBox="1">
-            <a:spLocks/>
-          </p:cNvSpPr>
+      <p:pic>
+        <p:nvPicPr>
+          <p:cNvPr id="3" name="Picture 2">
+            <a:extLst>
+              <a:ext uri="{FF2B5EF4-FFF2-40B4-BE49-F238E27FC236}">
+                <a16:creationId xmlns:a16="http://schemas.microsoft.com/office/drawing/2014/main" id="{DB4E58F2-E0C0-4B98-BF74-4CC67D02B2C7}"/>
+              </a:ext>
+            </a:extLst>
+          </p:cNvPr>
+          <p:cNvPicPr>
+            <a:picLocks noChangeAspect="1"/>
+          </p:cNvPicPr>
           <p:nvPr/>
-        </p:nvSpPr>
+        </p:nvPicPr>
+        <p:blipFill>
+          <a:blip r:embed="rId2"/>
+          <a:stretch>
+            <a:fillRect/>
+          </a:stretch>
+        </p:blipFill>
         <p:spPr>
           <a:xfrm>
-            <a:off x="1097280" y="1674228"/>
-            <a:ext cx="9734713" cy="3323276"/>
+            <a:off x="6413401" y="1019071"/>
+            <a:ext cx="4584799" cy="4916404"/>
           </a:xfrm>
           <a:prstGeom prst="rect">
             <a:avLst/>
           </a:prstGeom>
         </p:spPr>
-        <p:txBody>
-          <a:bodyPr/>
-          <a:lstStyle>
-            <a:lvl1pPr marL="91440" indent="-91440" algn="l" defTabSz="914400" rtl="0" eaLnBrk="1" latinLnBrk="0" hangingPunct="1">
-              <a:lnSpc>
-                <a:spcPct val="100000"/>
-              </a:lnSpc>
-              <a:spcBef>
-                <a:spcPts val="1200"/>
-              </a:spcBef>
-              <a:spcAft>
-                <a:spcPts val="200"/>
-              </a:spcAft>
-              <a:buClr>
-                <a:schemeClr val="accent1"/>
-              </a:buClr>
-              <a:buSzPct val="100000"/>
-              <a:buFont typeface="Calibri" panose="020F0502020204030204" pitchFamily="34" charset="0"/>
-              <a:buChar char=" "/>
-              <a:defRPr sz="2000" kern="1200">
-                <a:solidFill>
-                  <a:schemeClr val="tx1">
-                    <a:lumMod val="75000"/>
-                    <a:lumOff val="25000"/>
-                  </a:schemeClr>
-                </a:solidFill>
-                <a:latin typeface="+mn-lt"/>
-                <a:ea typeface="+mn-ea"/>
-                <a:cs typeface="+mn-cs"/>
-              </a:defRPr>
-            </a:lvl1pPr>
-            <a:lvl2pPr marL="384048" indent="-182880" algn="l" defTabSz="914400" rtl="0" eaLnBrk="1" latinLnBrk="0" hangingPunct="1">
-              <a:lnSpc>
-                <a:spcPct val="100000"/>
-              </a:lnSpc>
-              <a:spcBef>
-                <a:spcPts val="200"/>
-              </a:spcBef>
-              <a:spcAft>
-                <a:spcPts val="400"/>
-              </a:spcAft>
-              <a:buClrTx/>
-              <a:buFont typeface="Calibri" pitchFamily="34" charset="0"/>
-              <a:buChar char="◦"/>
-              <a:defRPr sz="1800" kern="1200">
-                <a:solidFill>
-                  <a:schemeClr val="tx1">
-                    <a:lumMod val="75000"/>
-                    <a:lumOff val="25000"/>
-                  </a:schemeClr>
-                </a:solidFill>
-                <a:latin typeface="+mn-lt"/>
-                <a:ea typeface="+mn-ea"/>
-                <a:cs typeface="+mn-cs"/>
-              </a:defRPr>
-            </a:lvl2pPr>
-            <a:lvl3pPr marL="566928" indent="-182880" algn="l" defTabSz="914400" rtl="0" eaLnBrk="1" latinLnBrk="0" hangingPunct="1">
-              <a:lnSpc>
-                <a:spcPct val="100000"/>
-              </a:lnSpc>
-              <a:spcBef>
-                <a:spcPts val="200"/>
-              </a:spcBef>
-              <a:spcAft>
-                <a:spcPts val="400"/>
-              </a:spcAft>
-              <a:buClrTx/>
-              <a:buFont typeface="Calibri" pitchFamily="34" charset="0"/>
-              <a:buChar char="◦"/>
-              <a:defRPr sz="1400" kern="1200">
-                <a:solidFill>
-                  <a:schemeClr val="tx1">
-                    <a:lumMod val="75000"/>
-                    <a:lumOff val="25000"/>
-                  </a:schemeClr>
-                </a:solidFill>
-                <a:latin typeface="+mn-lt"/>
-                <a:ea typeface="+mn-ea"/>
-                <a:cs typeface="+mn-cs"/>
-              </a:defRPr>
-            </a:lvl3pPr>
-            <a:lvl4pPr marL="749808" indent="-182880" algn="l" defTabSz="914400" rtl="0" eaLnBrk="1" latinLnBrk="0" hangingPunct="1">
-              <a:lnSpc>
-                <a:spcPct val="100000"/>
-              </a:lnSpc>
-              <a:spcBef>
-                <a:spcPts val="200"/>
-              </a:spcBef>
-              <a:spcAft>
-                <a:spcPts val="400"/>
-              </a:spcAft>
-              <a:buClrTx/>
-              <a:buFont typeface="Calibri" pitchFamily="34" charset="0"/>
-              <a:buChar char="◦"/>
-              <a:defRPr sz="1400" kern="1200">
-                <a:solidFill>
-                  <a:schemeClr val="tx1">
-                    <a:lumMod val="75000"/>
-                    <a:lumOff val="25000"/>
-                  </a:schemeClr>
-                </a:solidFill>
-                <a:latin typeface="+mn-lt"/>
-                <a:ea typeface="+mn-ea"/>
-                <a:cs typeface="+mn-cs"/>
-              </a:defRPr>
-            </a:lvl4pPr>
-            <a:lvl5pPr marL="932688" indent="-182880" algn="l" defTabSz="914400" rtl="0" eaLnBrk="1" latinLnBrk="0" hangingPunct="1">
-              <a:lnSpc>
-                <a:spcPct val="100000"/>
-              </a:lnSpc>
-              <a:spcBef>
-                <a:spcPts val="200"/>
-              </a:spcBef>
-              <a:spcAft>
-                <a:spcPts val="400"/>
-              </a:spcAft>
-              <a:buClrTx/>
-              <a:buFont typeface="Calibri" pitchFamily="34" charset="0"/>
-              <a:buChar char="◦"/>
-              <a:defRPr sz="1400" kern="1200">
-                <a:solidFill>
-                  <a:schemeClr val="tx1">
-                    <a:lumMod val="75000"/>
-                    <a:lumOff val="25000"/>
-                  </a:schemeClr>
-                </a:solidFill>
-                <a:latin typeface="+mn-lt"/>
-                <a:ea typeface="+mn-ea"/>
-                <a:cs typeface="+mn-cs"/>
-              </a:defRPr>
-            </a:lvl5pPr>
-            <a:lvl6pPr marL="1100000" indent="-228600" algn="l" defTabSz="914400" rtl="0" eaLnBrk="1" latinLnBrk="0" hangingPunct="1">
-              <a:lnSpc>
-                <a:spcPct val="90000"/>
-              </a:lnSpc>
-              <a:spcBef>
-                <a:spcPts val="200"/>
-              </a:spcBef>
-              <a:spcAft>
-                <a:spcPts val="400"/>
-              </a:spcAft>
-              <a:buClr>
-                <a:schemeClr val="accent1"/>
-              </a:buClr>
-              <a:buFont typeface="Calibri" pitchFamily="34" charset="0"/>
-              <a:buChar char="◦"/>
-              <a:defRPr sz="1400" kern="1200">
-                <a:solidFill>
-                  <a:schemeClr val="tx1">
-                    <a:lumMod val="75000"/>
-                    <a:lumOff val="25000"/>
-                  </a:schemeClr>
-                </a:solidFill>
-                <a:latin typeface="+mn-lt"/>
-                <a:ea typeface="+mn-ea"/>
-                <a:cs typeface="+mn-cs"/>
-              </a:defRPr>
-            </a:lvl6pPr>
-            <a:lvl7pPr marL="1300000" indent="-228600" algn="l" defTabSz="914400" rtl="0" eaLnBrk="1" latinLnBrk="0" hangingPunct="1">
-              <a:lnSpc>
-                <a:spcPct val="90000"/>
-              </a:lnSpc>
-              <a:spcBef>
-                <a:spcPts val="200"/>
-              </a:spcBef>
-              <a:spcAft>
-                <a:spcPts val="400"/>
-              </a:spcAft>
-              <a:buClr>
-                <a:schemeClr val="accent1"/>
-              </a:buClr>
-              <a:buFont typeface="Calibri" pitchFamily="34" charset="0"/>
-              <a:buChar char="◦"/>
-              <a:defRPr sz="1400" kern="1200">
-                <a:solidFill>
-                  <a:schemeClr val="tx1">
-                    <a:lumMod val="75000"/>
-                    <a:lumOff val="25000"/>
-                  </a:schemeClr>
-                </a:solidFill>
-                <a:latin typeface="+mn-lt"/>
-                <a:ea typeface="+mn-ea"/>
-                <a:cs typeface="+mn-cs"/>
-              </a:defRPr>
-            </a:lvl7pPr>
-            <a:lvl8pPr marL="1500000" indent="-228600" algn="l" defTabSz="914400" rtl="0" eaLnBrk="1" latinLnBrk="0" hangingPunct="1">
-              <a:lnSpc>
-                <a:spcPct val="90000"/>
-              </a:lnSpc>
-              <a:spcBef>
-                <a:spcPts val="200"/>
-              </a:spcBef>
-              <a:spcAft>
-                <a:spcPts val="400"/>
-              </a:spcAft>
-              <a:buClr>
-                <a:schemeClr val="accent1"/>
-              </a:buClr>
-              <a:buFont typeface="Calibri" pitchFamily="34" charset="0"/>
-              <a:buChar char="◦"/>
-              <a:defRPr sz="1400" kern="1200">
-                <a:solidFill>
-                  <a:schemeClr val="tx1">
-                    <a:lumMod val="75000"/>
-                    <a:lumOff val="25000"/>
-                  </a:schemeClr>
-                </a:solidFill>
-                <a:latin typeface="+mn-lt"/>
-                <a:ea typeface="+mn-ea"/>
-                <a:cs typeface="+mn-cs"/>
-              </a:defRPr>
-            </a:lvl8pPr>
-            <a:lvl9pPr marL="1700000" indent="-228600" algn="l" defTabSz="914400" rtl="0" eaLnBrk="1" latinLnBrk="0" hangingPunct="1">
-              <a:lnSpc>
-                <a:spcPct val="90000"/>
-              </a:lnSpc>
-              <a:spcBef>
-                <a:spcPts val="200"/>
-              </a:spcBef>
-              <a:spcAft>
-                <a:spcPts val="400"/>
-              </a:spcAft>
-              <a:buClr>
-                <a:schemeClr val="accent1"/>
-              </a:buClr>
-              <a:buFont typeface="Calibri" pitchFamily="34" charset="0"/>
-              <a:buChar char="◦"/>
-              <a:defRPr sz="1400" kern="1200">
-                <a:solidFill>
-                  <a:schemeClr val="tx1">
-                    <a:lumMod val="75000"/>
-                    <a:lumOff val="25000"/>
-                  </a:schemeClr>
-                </a:solidFill>
-                <a:latin typeface="+mn-lt"/>
-                <a:ea typeface="+mn-ea"/>
-                <a:cs typeface="+mn-cs"/>
-              </a:defRPr>
-            </a:lvl9pPr>
-          </a:lstStyle>
-          <a:p>
-            <a:pPr algn="just">
-              <a:lnSpc>
-                <a:spcPct val="150000"/>
-              </a:lnSpc>
-            </a:pPr>
-            <a:r>
-              <a:rPr lang="en-US" sz="1600" dirty="0">
-                <a:latin typeface="Bahnschrift Light" panose="020B0502040204020203" pitchFamily="34" charset="0"/>
-              </a:rPr>
-              <a:t>Lorem ipsum dolor sit </a:t>
-            </a:r>
-            <a:r>
-              <a:rPr lang="en-US" sz="1600" dirty="0" err="1">
-                <a:latin typeface="Bahnschrift Light" panose="020B0502040204020203" pitchFamily="34" charset="0"/>
-              </a:rPr>
-              <a:t>amet</a:t>
-            </a:r>
-            <a:r>
-              <a:rPr lang="en-US" sz="1600" dirty="0">
-                <a:latin typeface="Bahnschrift Light" panose="020B0502040204020203" pitchFamily="34" charset="0"/>
-              </a:rPr>
-              <a:t>, </a:t>
-            </a:r>
-            <a:r>
-              <a:rPr lang="en-US" sz="1600" dirty="0" err="1">
-                <a:latin typeface="Bahnschrift Light" panose="020B0502040204020203" pitchFamily="34" charset="0"/>
-              </a:rPr>
-              <a:t>consectetur</a:t>
-            </a:r>
-            <a:r>
-              <a:rPr lang="en-US" sz="1600" dirty="0">
-                <a:latin typeface="Bahnschrift Light" panose="020B0502040204020203" pitchFamily="34" charset="0"/>
-              </a:rPr>
-              <a:t> </a:t>
-            </a:r>
-            <a:r>
-              <a:rPr lang="en-US" sz="1600" dirty="0" err="1">
-                <a:latin typeface="Bahnschrift Light" panose="020B0502040204020203" pitchFamily="34" charset="0"/>
-              </a:rPr>
-              <a:t>adipiscing</a:t>
-            </a:r>
-            <a:r>
-              <a:rPr lang="en-US" sz="1600" dirty="0">
-                <a:latin typeface="Bahnschrift Light" panose="020B0502040204020203" pitchFamily="34" charset="0"/>
-              </a:rPr>
-              <a:t> </a:t>
-            </a:r>
-            <a:r>
-              <a:rPr lang="en-US" sz="1600" dirty="0" err="1">
-                <a:latin typeface="Bahnschrift Light" panose="020B0502040204020203" pitchFamily="34" charset="0"/>
-              </a:rPr>
-              <a:t>elit</a:t>
-            </a:r>
-            <a:r>
-              <a:rPr lang="en-US" sz="1600" dirty="0">
-                <a:latin typeface="Bahnschrift Light" panose="020B0502040204020203" pitchFamily="34" charset="0"/>
-              </a:rPr>
-              <a:t>, sed do </a:t>
-            </a:r>
-            <a:r>
-              <a:rPr lang="en-US" sz="1600" dirty="0" err="1">
-                <a:latin typeface="Bahnschrift Light" panose="020B0502040204020203" pitchFamily="34" charset="0"/>
-              </a:rPr>
-              <a:t>eiusmod</a:t>
-            </a:r>
-            <a:r>
-              <a:rPr lang="en-US" sz="1600" dirty="0">
-                <a:latin typeface="Bahnschrift Light" panose="020B0502040204020203" pitchFamily="34" charset="0"/>
-              </a:rPr>
-              <a:t> </a:t>
-            </a:r>
-            <a:r>
-              <a:rPr lang="en-US" sz="1600" dirty="0" err="1">
-                <a:latin typeface="Bahnschrift Light" panose="020B0502040204020203" pitchFamily="34" charset="0"/>
-              </a:rPr>
-              <a:t>tempor</a:t>
-            </a:r>
-            <a:r>
-              <a:rPr lang="en-US" sz="1600" dirty="0">
-                <a:latin typeface="Bahnschrift Light" panose="020B0502040204020203" pitchFamily="34" charset="0"/>
-              </a:rPr>
-              <a:t> </a:t>
-            </a:r>
-            <a:r>
-              <a:rPr lang="en-US" sz="1600" dirty="0" err="1">
-                <a:latin typeface="Bahnschrift Light" panose="020B0502040204020203" pitchFamily="34" charset="0"/>
-              </a:rPr>
-              <a:t>incididunt</a:t>
-            </a:r>
-            <a:r>
-              <a:rPr lang="en-US" sz="1600" dirty="0">
-                <a:latin typeface="Bahnschrift Light" panose="020B0502040204020203" pitchFamily="34" charset="0"/>
-              </a:rPr>
-              <a:t> </a:t>
-            </a:r>
-            <a:r>
-              <a:rPr lang="en-US" sz="1600" dirty="0" err="1">
-                <a:latin typeface="Bahnschrift Light" panose="020B0502040204020203" pitchFamily="34" charset="0"/>
-              </a:rPr>
-              <a:t>ut</a:t>
-            </a:r>
-            <a:r>
-              <a:rPr lang="en-US" sz="1600" dirty="0">
-                <a:latin typeface="Bahnschrift Light" panose="020B0502040204020203" pitchFamily="34" charset="0"/>
-              </a:rPr>
-              <a:t> </a:t>
-            </a:r>
-            <a:r>
-              <a:rPr lang="en-US" sz="1600" dirty="0" err="1">
-                <a:latin typeface="Bahnschrift Light" panose="020B0502040204020203" pitchFamily="34" charset="0"/>
-              </a:rPr>
-              <a:t>labore</a:t>
-            </a:r>
-            <a:r>
-              <a:rPr lang="en-US" sz="1600" dirty="0">
-                <a:latin typeface="Bahnschrift Light" panose="020B0502040204020203" pitchFamily="34" charset="0"/>
-              </a:rPr>
-              <a:t> et dolore magna </a:t>
-            </a:r>
-            <a:r>
-              <a:rPr lang="en-US" sz="1600" dirty="0" err="1">
-                <a:latin typeface="Bahnschrift Light" panose="020B0502040204020203" pitchFamily="34" charset="0"/>
-              </a:rPr>
-              <a:t>aliqua</a:t>
-            </a:r>
-            <a:r>
-              <a:rPr lang="en-US" sz="1600" dirty="0">
-                <a:latin typeface="Bahnschrift Light" panose="020B0502040204020203" pitchFamily="34" charset="0"/>
-              </a:rPr>
-              <a:t>. Ut </a:t>
-            </a:r>
-            <a:r>
-              <a:rPr lang="en-US" sz="1600" dirty="0" err="1">
-                <a:latin typeface="Bahnschrift Light" panose="020B0502040204020203" pitchFamily="34" charset="0"/>
-              </a:rPr>
-              <a:t>enim</a:t>
-            </a:r>
-            <a:r>
-              <a:rPr lang="en-US" sz="1600" dirty="0">
-                <a:latin typeface="Bahnschrift Light" panose="020B0502040204020203" pitchFamily="34" charset="0"/>
-              </a:rPr>
-              <a:t> ad minim </a:t>
-            </a:r>
-            <a:r>
-              <a:rPr lang="en-US" sz="1600" dirty="0" err="1">
-                <a:latin typeface="Bahnschrift Light" panose="020B0502040204020203" pitchFamily="34" charset="0"/>
-              </a:rPr>
-              <a:t>veniam</a:t>
-            </a:r>
-            <a:r>
-              <a:rPr lang="en-US" sz="1600" dirty="0">
-                <a:latin typeface="Bahnschrift Light" panose="020B0502040204020203" pitchFamily="34" charset="0"/>
-              </a:rPr>
-              <a:t>, </a:t>
-            </a:r>
-            <a:r>
-              <a:rPr lang="en-US" sz="1600" dirty="0" err="1">
-                <a:latin typeface="Bahnschrift Light" panose="020B0502040204020203" pitchFamily="34" charset="0"/>
-              </a:rPr>
-              <a:t>quis</a:t>
-            </a:r>
-            <a:r>
-              <a:rPr lang="en-US" sz="1600" dirty="0">
-                <a:latin typeface="Bahnschrift Light" panose="020B0502040204020203" pitchFamily="34" charset="0"/>
-              </a:rPr>
-              <a:t> </a:t>
-            </a:r>
-            <a:r>
-              <a:rPr lang="en-US" sz="1600" dirty="0" err="1">
-                <a:latin typeface="Bahnschrift Light" panose="020B0502040204020203" pitchFamily="34" charset="0"/>
-              </a:rPr>
-              <a:t>nostrud</a:t>
-            </a:r>
-            <a:r>
-              <a:rPr lang="en-US" sz="1600" dirty="0">
-                <a:latin typeface="Bahnschrift Light" panose="020B0502040204020203" pitchFamily="34" charset="0"/>
-              </a:rPr>
-              <a:t> exercitation </a:t>
-            </a:r>
-            <a:r>
-              <a:rPr lang="en-US" sz="1600" dirty="0" err="1">
-                <a:latin typeface="Bahnschrift Light" panose="020B0502040204020203" pitchFamily="34" charset="0"/>
-              </a:rPr>
-              <a:t>ullamco</a:t>
-            </a:r>
-            <a:r>
-              <a:rPr lang="en-US" sz="1600" dirty="0">
-                <a:latin typeface="Bahnschrift Light" panose="020B0502040204020203" pitchFamily="34" charset="0"/>
-              </a:rPr>
-              <a:t> </a:t>
-            </a:r>
-            <a:r>
-              <a:rPr lang="en-US" sz="1600" dirty="0" err="1">
-                <a:latin typeface="Bahnschrift Light" panose="020B0502040204020203" pitchFamily="34" charset="0"/>
-              </a:rPr>
-              <a:t>laboris</a:t>
-            </a:r>
-            <a:r>
-              <a:rPr lang="en-US" sz="1600" dirty="0">
-                <a:latin typeface="Bahnschrift Light" panose="020B0502040204020203" pitchFamily="34" charset="0"/>
-              </a:rPr>
-              <a:t> nisi </a:t>
-            </a:r>
-            <a:r>
-              <a:rPr lang="en-US" sz="1600" dirty="0" err="1">
-                <a:latin typeface="Bahnschrift Light" panose="020B0502040204020203" pitchFamily="34" charset="0"/>
-              </a:rPr>
-              <a:t>ut</a:t>
-            </a:r>
-            <a:r>
-              <a:rPr lang="en-US" sz="1600" dirty="0">
-                <a:latin typeface="Bahnschrift Light" panose="020B0502040204020203" pitchFamily="34" charset="0"/>
-              </a:rPr>
-              <a:t> </a:t>
-            </a:r>
-            <a:r>
-              <a:rPr lang="en-US" sz="1600" dirty="0" err="1">
-                <a:latin typeface="Bahnschrift Light" panose="020B0502040204020203" pitchFamily="34" charset="0"/>
-              </a:rPr>
-              <a:t>aliquip</a:t>
-            </a:r>
-            <a:r>
-              <a:rPr lang="en-US" sz="1600" dirty="0">
-                <a:latin typeface="Bahnschrift Light" panose="020B0502040204020203" pitchFamily="34" charset="0"/>
-              </a:rPr>
-              <a:t> ex </a:t>
-            </a:r>
-            <a:r>
-              <a:rPr lang="en-US" sz="1600" dirty="0" err="1">
-                <a:latin typeface="Bahnschrift Light" panose="020B0502040204020203" pitchFamily="34" charset="0"/>
-              </a:rPr>
-              <a:t>ea</a:t>
-            </a:r>
-            <a:r>
-              <a:rPr lang="en-US" sz="1600" dirty="0">
-                <a:latin typeface="Bahnschrift Light" panose="020B0502040204020203" pitchFamily="34" charset="0"/>
-              </a:rPr>
-              <a:t> </a:t>
-            </a:r>
-            <a:r>
-              <a:rPr lang="en-US" sz="1600" dirty="0" err="1">
-                <a:latin typeface="Bahnschrift Light" panose="020B0502040204020203" pitchFamily="34" charset="0"/>
-              </a:rPr>
-              <a:t>commodo</a:t>
-            </a:r>
-            <a:r>
-              <a:rPr lang="en-US" sz="1600" dirty="0">
-                <a:latin typeface="Bahnschrift Light" panose="020B0502040204020203" pitchFamily="34" charset="0"/>
-              </a:rPr>
-              <a:t> </a:t>
-            </a:r>
-            <a:r>
-              <a:rPr lang="en-US" sz="1600" dirty="0" err="1">
-                <a:latin typeface="Bahnschrift Light" panose="020B0502040204020203" pitchFamily="34" charset="0"/>
-              </a:rPr>
-              <a:t>consequat</a:t>
-            </a:r>
-            <a:r>
-              <a:rPr lang="en-US" sz="1600" dirty="0">
-                <a:latin typeface="Bahnschrift Light" panose="020B0502040204020203" pitchFamily="34" charset="0"/>
-              </a:rPr>
-              <a:t>.</a:t>
-            </a:r>
-          </a:p>
-          <a:p>
-            <a:pPr algn="just">
-              <a:lnSpc>
-                <a:spcPct val="150000"/>
-              </a:lnSpc>
-            </a:pPr>
-            <a:r>
-              <a:rPr lang="en-US" sz="1600" dirty="0">
-                <a:latin typeface="Bahnschrift Light" panose="020B0502040204020203" pitchFamily="34" charset="0"/>
-              </a:rPr>
-              <a:t>Duis </a:t>
-            </a:r>
-            <a:r>
-              <a:rPr lang="en-US" sz="1600" dirty="0" err="1">
-                <a:latin typeface="Bahnschrift Light" panose="020B0502040204020203" pitchFamily="34" charset="0"/>
-              </a:rPr>
-              <a:t>aute</a:t>
-            </a:r>
-            <a:r>
-              <a:rPr lang="en-US" sz="1600" dirty="0">
-                <a:latin typeface="Bahnschrift Light" panose="020B0502040204020203" pitchFamily="34" charset="0"/>
-              </a:rPr>
-              <a:t> </a:t>
-            </a:r>
-            <a:r>
-              <a:rPr lang="en-US" sz="1600" dirty="0" err="1">
-                <a:latin typeface="Bahnschrift Light" panose="020B0502040204020203" pitchFamily="34" charset="0"/>
-              </a:rPr>
-              <a:t>irure</a:t>
-            </a:r>
-            <a:r>
-              <a:rPr lang="en-US" sz="1600" dirty="0">
-                <a:latin typeface="Bahnschrift Light" panose="020B0502040204020203" pitchFamily="34" charset="0"/>
-              </a:rPr>
-              <a:t> dolor in </a:t>
-            </a:r>
-            <a:r>
-              <a:rPr lang="en-US" sz="1600" dirty="0" err="1">
-                <a:latin typeface="Bahnschrift Light" panose="020B0502040204020203" pitchFamily="34" charset="0"/>
-              </a:rPr>
-              <a:t>reprehenderit</a:t>
-            </a:r>
-            <a:r>
-              <a:rPr lang="en-US" sz="1600" dirty="0">
-                <a:latin typeface="Bahnschrift Light" panose="020B0502040204020203" pitchFamily="34" charset="0"/>
-              </a:rPr>
-              <a:t> in </a:t>
-            </a:r>
-            <a:r>
-              <a:rPr lang="en-US" sz="1600" dirty="0" err="1">
-                <a:latin typeface="Bahnschrift Light" panose="020B0502040204020203" pitchFamily="34" charset="0"/>
-              </a:rPr>
-              <a:t>voluptate</a:t>
-            </a:r>
-            <a:r>
-              <a:rPr lang="en-US" sz="1600" dirty="0">
-                <a:latin typeface="Bahnschrift Light" panose="020B0502040204020203" pitchFamily="34" charset="0"/>
-              </a:rPr>
-              <a:t> </a:t>
-            </a:r>
-            <a:r>
-              <a:rPr lang="en-US" sz="1600" dirty="0" err="1">
-                <a:latin typeface="Bahnschrift Light" panose="020B0502040204020203" pitchFamily="34" charset="0"/>
-              </a:rPr>
-              <a:t>velit</a:t>
-            </a:r>
-            <a:r>
-              <a:rPr lang="en-US" sz="1600" dirty="0">
-                <a:latin typeface="Bahnschrift Light" panose="020B0502040204020203" pitchFamily="34" charset="0"/>
-              </a:rPr>
-              <a:t> </a:t>
-            </a:r>
-            <a:r>
-              <a:rPr lang="en-US" sz="1600" dirty="0" err="1">
-                <a:latin typeface="Bahnschrift Light" panose="020B0502040204020203" pitchFamily="34" charset="0"/>
-              </a:rPr>
-              <a:t>esse</a:t>
-            </a:r>
-            <a:r>
-              <a:rPr lang="en-US" sz="1600" dirty="0">
-                <a:latin typeface="Bahnschrift Light" panose="020B0502040204020203" pitchFamily="34" charset="0"/>
-              </a:rPr>
-              <a:t> </a:t>
-            </a:r>
-            <a:r>
-              <a:rPr lang="en-US" sz="1600" dirty="0" err="1">
-                <a:latin typeface="Bahnschrift Light" panose="020B0502040204020203" pitchFamily="34" charset="0"/>
-              </a:rPr>
-              <a:t>cillum</a:t>
-            </a:r>
-            <a:r>
-              <a:rPr lang="en-US" sz="1600" dirty="0">
-                <a:latin typeface="Bahnschrift Light" panose="020B0502040204020203" pitchFamily="34" charset="0"/>
-              </a:rPr>
-              <a:t> dolore </a:t>
-            </a:r>
-            <a:r>
-              <a:rPr lang="en-US" sz="1600" dirty="0" err="1">
-                <a:latin typeface="Bahnschrift Light" panose="020B0502040204020203" pitchFamily="34" charset="0"/>
-              </a:rPr>
-              <a:t>eu</a:t>
-            </a:r>
-            <a:r>
-              <a:rPr lang="en-US" sz="1600" dirty="0">
-                <a:latin typeface="Bahnschrift Light" panose="020B0502040204020203" pitchFamily="34" charset="0"/>
-              </a:rPr>
-              <a:t> </a:t>
-            </a:r>
-            <a:r>
-              <a:rPr lang="en-US" sz="1600" dirty="0" err="1">
-                <a:latin typeface="Bahnschrift Light" panose="020B0502040204020203" pitchFamily="34" charset="0"/>
-              </a:rPr>
-              <a:t>fugiat</a:t>
-            </a:r>
-            <a:r>
-              <a:rPr lang="en-US" sz="1600" dirty="0">
-                <a:latin typeface="Bahnschrift Light" panose="020B0502040204020203" pitchFamily="34" charset="0"/>
-              </a:rPr>
-              <a:t> </a:t>
-            </a:r>
-            <a:r>
-              <a:rPr lang="en-US" sz="1600" dirty="0" err="1">
-                <a:latin typeface="Bahnschrift Light" panose="020B0502040204020203" pitchFamily="34" charset="0"/>
-              </a:rPr>
-              <a:t>nulla</a:t>
-            </a:r>
-            <a:r>
-              <a:rPr lang="en-US" sz="1600" dirty="0">
-                <a:latin typeface="Bahnschrift Light" panose="020B0502040204020203" pitchFamily="34" charset="0"/>
-              </a:rPr>
-              <a:t> </a:t>
-            </a:r>
-            <a:r>
-              <a:rPr lang="en-US" sz="1600" dirty="0" err="1">
-                <a:latin typeface="Bahnschrift Light" panose="020B0502040204020203" pitchFamily="34" charset="0"/>
-              </a:rPr>
-              <a:t>pariatur</a:t>
-            </a:r>
-            <a:r>
-              <a:rPr lang="en-US" sz="1600" dirty="0">
-                <a:latin typeface="Bahnschrift Light" panose="020B0502040204020203" pitchFamily="34" charset="0"/>
-              </a:rPr>
-              <a:t>. </a:t>
-            </a:r>
-            <a:r>
-              <a:rPr lang="en-US" sz="1600" dirty="0" err="1">
-                <a:latin typeface="Bahnschrift Light" panose="020B0502040204020203" pitchFamily="34" charset="0"/>
-              </a:rPr>
-              <a:t>Excepteur</a:t>
-            </a:r>
-            <a:r>
-              <a:rPr lang="en-US" sz="1600" dirty="0">
-                <a:latin typeface="Bahnschrift Light" panose="020B0502040204020203" pitchFamily="34" charset="0"/>
-              </a:rPr>
-              <a:t> </a:t>
-            </a:r>
-            <a:r>
-              <a:rPr lang="en-US" sz="1600" dirty="0" err="1">
-                <a:latin typeface="Bahnschrift Light" panose="020B0502040204020203" pitchFamily="34" charset="0"/>
-              </a:rPr>
-              <a:t>sint</a:t>
-            </a:r>
-            <a:r>
-              <a:rPr lang="en-US" sz="1600" dirty="0">
-                <a:latin typeface="Bahnschrift Light" panose="020B0502040204020203" pitchFamily="34" charset="0"/>
-              </a:rPr>
-              <a:t> </a:t>
-            </a:r>
-            <a:r>
-              <a:rPr lang="en-US" sz="1600" dirty="0" err="1">
-                <a:latin typeface="Bahnschrift Light" panose="020B0502040204020203" pitchFamily="34" charset="0"/>
-              </a:rPr>
-              <a:t>occaecat</a:t>
-            </a:r>
-            <a:r>
-              <a:rPr lang="en-US" sz="1600" dirty="0">
-                <a:latin typeface="Bahnschrift Light" panose="020B0502040204020203" pitchFamily="34" charset="0"/>
-              </a:rPr>
-              <a:t> </a:t>
-            </a:r>
-            <a:r>
-              <a:rPr lang="en-US" sz="1600" dirty="0" err="1">
-                <a:latin typeface="Bahnschrift Light" panose="020B0502040204020203" pitchFamily="34" charset="0"/>
-              </a:rPr>
-              <a:t>cupidatat</a:t>
-            </a:r>
-            <a:r>
-              <a:rPr lang="en-US" sz="1600" dirty="0">
-                <a:latin typeface="Bahnschrift Light" panose="020B0502040204020203" pitchFamily="34" charset="0"/>
-              </a:rPr>
-              <a:t> non </a:t>
-            </a:r>
-            <a:r>
-              <a:rPr lang="en-US" sz="1600" dirty="0" err="1">
-                <a:latin typeface="Bahnschrift Light" panose="020B0502040204020203" pitchFamily="34" charset="0"/>
-              </a:rPr>
-              <a:t>proident</a:t>
-            </a:r>
-            <a:r>
-              <a:rPr lang="en-US" sz="1600" dirty="0">
-                <a:latin typeface="Bahnschrift Light" panose="020B0502040204020203" pitchFamily="34" charset="0"/>
-              </a:rPr>
-              <a:t>, sunt in culpa qui </a:t>
-            </a:r>
-            <a:r>
-              <a:rPr lang="en-US" sz="1600" dirty="0" err="1">
-                <a:latin typeface="Bahnschrift Light" panose="020B0502040204020203" pitchFamily="34" charset="0"/>
-              </a:rPr>
-              <a:t>officia</a:t>
-            </a:r>
-            <a:r>
-              <a:rPr lang="en-US" sz="1600" dirty="0">
-                <a:latin typeface="Bahnschrift Light" panose="020B0502040204020203" pitchFamily="34" charset="0"/>
-              </a:rPr>
-              <a:t> </a:t>
-            </a:r>
-            <a:r>
-              <a:rPr lang="en-US" sz="1600" dirty="0" err="1">
-                <a:latin typeface="Bahnschrift Light" panose="020B0502040204020203" pitchFamily="34" charset="0"/>
-              </a:rPr>
-              <a:t>deserunt</a:t>
-            </a:r>
-            <a:r>
-              <a:rPr lang="en-US" sz="1600" dirty="0">
-                <a:latin typeface="Bahnschrift Light" panose="020B0502040204020203" pitchFamily="34" charset="0"/>
-              </a:rPr>
-              <a:t> </a:t>
-            </a:r>
-            <a:r>
-              <a:rPr lang="en-US" sz="1600" dirty="0" err="1">
-                <a:latin typeface="Bahnschrift Light" panose="020B0502040204020203" pitchFamily="34" charset="0"/>
-              </a:rPr>
-              <a:t>mollit</a:t>
-            </a:r>
-            <a:r>
-              <a:rPr lang="en-US" sz="1600" dirty="0">
-                <a:latin typeface="Bahnschrift Light" panose="020B0502040204020203" pitchFamily="34" charset="0"/>
-              </a:rPr>
-              <a:t> </a:t>
-            </a:r>
-            <a:r>
-              <a:rPr lang="en-US" sz="1600" dirty="0" err="1">
-                <a:latin typeface="Bahnschrift Light" panose="020B0502040204020203" pitchFamily="34" charset="0"/>
-              </a:rPr>
-              <a:t>anim</a:t>
-            </a:r>
-            <a:r>
-              <a:rPr lang="en-US" sz="1600" dirty="0">
-                <a:latin typeface="Bahnschrift Light" panose="020B0502040204020203" pitchFamily="34" charset="0"/>
-              </a:rPr>
-              <a:t> id </a:t>
-            </a:r>
-            <a:r>
-              <a:rPr lang="en-US" sz="1600" dirty="0" err="1">
-                <a:latin typeface="Bahnschrift Light" panose="020B0502040204020203" pitchFamily="34" charset="0"/>
-              </a:rPr>
-              <a:t>est</a:t>
-            </a:r>
-            <a:r>
-              <a:rPr lang="en-US" sz="1600" dirty="0">
-                <a:latin typeface="Bahnschrift Light" panose="020B0502040204020203" pitchFamily="34" charset="0"/>
-              </a:rPr>
-              <a:t> </a:t>
-            </a:r>
-            <a:r>
-              <a:rPr lang="en-US" sz="1600" dirty="0" err="1">
-                <a:latin typeface="Bahnschrift Light" panose="020B0502040204020203" pitchFamily="34" charset="0"/>
-              </a:rPr>
-              <a:t>laborum</a:t>
-            </a:r>
-            <a:r>
-              <a:rPr lang="en-US" sz="1600" dirty="0">
-                <a:latin typeface="Bahnschrift Light" panose="020B0502040204020203" pitchFamily="34" charset="0"/>
-              </a:rPr>
-              <a:t>.</a:t>
+      </p:pic>
+      <p:sp>
+        <p:nvSpPr>
+          <p:cNvPr id="4" name="TextBox 3">
+            <a:extLst>
+              <a:ext uri="{FF2B5EF4-FFF2-40B4-BE49-F238E27FC236}">
+                <a16:creationId xmlns:a16="http://schemas.microsoft.com/office/drawing/2014/main" id="{2870F8AD-90CD-45E5-9B34-14B226F24E4D}"/>
+              </a:ext>
+            </a:extLst>
+          </p:cNvPr>
+          <p:cNvSpPr txBox="1"/>
+          <p:nvPr/>
+        </p:nvSpPr>
+        <p:spPr>
+          <a:xfrm>
+            <a:off x="1193800" y="3244334"/>
+            <a:ext cx="3629520" cy="369332"/>
+          </a:xfrm>
+          <a:prstGeom prst="rect">
+            <a:avLst/>
+          </a:prstGeom>
+          <a:noFill/>
+        </p:spPr>
+        <p:txBody>
+          <a:bodyPr wrap="none" rtlCol="0">
+            <a:spAutoFit/>
+          </a:bodyPr>
+          <a:lstStyle/>
+          <a:p>
+            <a:r>
+              <a:rPr lang="en-US" dirty="0"/>
+              <a:t>High Level System Architecture</a:t>
             </a:r>
           </a:p>
         </p:txBody>
@@ -8849,7 +6973,12 @@
             <p:ph type="title"/>
           </p:nvPr>
         </p:nvSpPr>
-        <p:spPr/>
+        <p:spPr>
+          <a:xfrm>
+            <a:off x="4629573" y="3135208"/>
+            <a:ext cx="2932853" cy="587584"/>
+          </a:xfrm>
+        </p:spPr>
         <p:txBody>
           <a:bodyPr>
             <a:normAutofit/>
@@ -8861,813 +6990,6 @@
                 <a:latin typeface="Bahnschrift SemiBold" panose="020B0502040204020203" pitchFamily="34" charset="0"/>
               </a:rPr>
               <a:t>5. Prototype Demo</a:t>
-            </a:r>
-          </a:p>
-        </p:txBody>
-      </p:sp>
-      <p:sp>
-        <p:nvSpPr>
-          <p:cNvPr id="6" name="Content Placeholder 11">
-            <a:extLst>
-              <a:ext uri="{FF2B5EF4-FFF2-40B4-BE49-F238E27FC236}">
-                <a16:creationId xmlns:a16="http://schemas.microsoft.com/office/drawing/2014/main" id="{93249651-9FD1-4E2B-8133-AC5FAE6097F8}"/>
-              </a:ext>
-            </a:extLst>
-          </p:cNvPr>
-          <p:cNvSpPr txBox="1">
-            <a:spLocks/>
-          </p:cNvSpPr>
-          <p:nvPr/>
-        </p:nvSpPr>
-        <p:spPr>
-          <a:xfrm>
-            <a:off x="1097280" y="1657295"/>
-            <a:ext cx="9734713" cy="3323276"/>
-          </a:xfrm>
-          <a:prstGeom prst="rect">
-            <a:avLst/>
-          </a:prstGeom>
-        </p:spPr>
-        <p:txBody>
-          <a:bodyPr/>
-          <a:lstStyle>
-            <a:lvl1pPr marL="91440" indent="-91440" algn="l" defTabSz="914400" rtl="0" eaLnBrk="1" latinLnBrk="0" hangingPunct="1">
-              <a:lnSpc>
-                <a:spcPct val="100000"/>
-              </a:lnSpc>
-              <a:spcBef>
-                <a:spcPts val="1200"/>
-              </a:spcBef>
-              <a:spcAft>
-                <a:spcPts val="200"/>
-              </a:spcAft>
-              <a:buClr>
-                <a:schemeClr val="accent1"/>
-              </a:buClr>
-              <a:buSzPct val="100000"/>
-              <a:buFont typeface="Calibri" panose="020F0502020204030204" pitchFamily="34" charset="0"/>
-              <a:buChar char=" "/>
-              <a:defRPr sz="2000" kern="1200">
-                <a:solidFill>
-                  <a:schemeClr val="tx1">
-                    <a:lumMod val="75000"/>
-                    <a:lumOff val="25000"/>
-                  </a:schemeClr>
-                </a:solidFill>
-                <a:latin typeface="+mn-lt"/>
-                <a:ea typeface="+mn-ea"/>
-                <a:cs typeface="+mn-cs"/>
-              </a:defRPr>
-            </a:lvl1pPr>
-            <a:lvl2pPr marL="384048" indent="-182880" algn="l" defTabSz="914400" rtl="0" eaLnBrk="1" latinLnBrk="0" hangingPunct="1">
-              <a:lnSpc>
-                <a:spcPct val="100000"/>
-              </a:lnSpc>
-              <a:spcBef>
-                <a:spcPts val="200"/>
-              </a:spcBef>
-              <a:spcAft>
-                <a:spcPts val="400"/>
-              </a:spcAft>
-              <a:buClrTx/>
-              <a:buFont typeface="Calibri" pitchFamily="34" charset="0"/>
-              <a:buChar char="◦"/>
-              <a:defRPr sz="1800" kern="1200">
-                <a:solidFill>
-                  <a:schemeClr val="tx1">
-                    <a:lumMod val="75000"/>
-                    <a:lumOff val="25000"/>
-                  </a:schemeClr>
-                </a:solidFill>
-                <a:latin typeface="+mn-lt"/>
-                <a:ea typeface="+mn-ea"/>
-                <a:cs typeface="+mn-cs"/>
-              </a:defRPr>
-            </a:lvl2pPr>
-            <a:lvl3pPr marL="566928" indent="-182880" algn="l" defTabSz="914400" rtl="0" eaLnBrk="1" latinLnBrk="0" hangingPunct="1">
-              <a:lnSpc>
-                <a:spcPct val="100000"/>
-              </a:lnSpc>
-              <a:spcBef>
-                <a:spcPts val="200"/>
-              </a:spcBef>
-              <a:spcAft>
-                <a:spcPts val="400"/>
-              </a:spcAft>
-              <a:buClrTx/>
-              <a:buFont typeface="Calibri" pitchFamily="34" charset="0"/>
-              <a:buChar char="◦"/>
-              <a:defRPr sz="1400" kern="1200">
-                <a:solidFill>
-                  <a:schemeClr val="tx1">
-                    <a:lumMod val="75000"/>
-                    <a:lumOff val="25000"/>
-                  </a:schemeClr>
-                </a:solidFill>
-                <a:latin typeface="+mn-lt"/>
-                <a:ea typeface="+mn-ea"/>
-                <a:cs typeface="+mn-cs"/>
-              </a:defRPr>
-            </a:lvl3pPr>
-            <a:lvl4pPr marL="749808" indent="-182880" algn="l" defTabSz="914400" rtl="0" eaLnBrk="1" latinLnBrk="0" hangingPunct="1">
-              <a:lnSpc>
-                <a:spcPct val="100000"/>
-              </a:lnSpc>
-              <a:spcBef>
-                <a:spcPts val="200"/>
-              </a:spcBef>
-              <a:spcAft>
-                <a:spcPts val="400"/>
-              </a:spcAft>
-              <a:buClrTx/>
-              <a:buFont typeface="Calibri" pitchFamily="34" charset="0"/>
-              <a:buChar char="◦"/>
-              <a:defRPr sz="1400" kern="1200">
-                <a:solidFill>
-                  <a:schemeClr val="tx1">
-                    <a:lumMod val="75000"/>
-                    <a:lumOff val="25000"/>
-                  </a:schemeClr>
-                </a:solidFill>
-                <a:latin typeface="+mn-lt"/>
-                <a:ea typeface="+mn-ea"/>
-                <a:cs typeface="+mn-cs"/>
-              </a:defRPr>
-            </a:lvl4pPr>
-            <a:lvl5pPr marL="932688" indent="-182880" algn="l" defTabSz="914400" rtl="0" eaLnBrk="1" latinLnBrk="0" hangingPunct="1">
-              <a:lnSpc>
-                <a:spcPct val="100000"/>
-              </a:lnSpc>
-              <a:spcBef>
-                <a:spcPts val="200"/>
-              </a:spcBef>
-              <a:spcAft>
-                <a:spcPts val="400"/>
-              </a:spcAft>
-              <a:buClrTx/>
-              <a:buFont typeface="Calibri" pitchFamily="34" charset="0"/>
-              <a:buChar char="◦"/>
-              <a:defRPr sz="1400" kern="1200">
-                <a:solidFill>
-                  <a:schemeClr val="tx1">
-                    <a:lumMod val="75000"/>
-                    <a:lumOff val="25000"/>
-                  </a:schemeClr>
-                </a:solidFill>
-                <a:latin typeface="+mn-lt"/>
-                <a:ea typeface="+mn-ea"/>
-                <a:cs typeface="+mn-cs"/>
-              </a:defRPr>
-            </a:lvl5pPr>
-            <a:lvl6pPr marL="1100000" indent="-228600" algn="l" defTabSz="914400" rtl="0" eaLnBrk="1" latinLnBrk="0" hangingPunct="1">
-              <a:lnSpc>
-                <a:spcPct val="90000"/>
-              </a:lnSpc>
-              <a:spcBef>
-                <a:spcPts val="200"/>
-              </a:spcBef>
-              <a:spcAft>
-                <a:spcPts val="400"/>
-              </a:spcAft>
-              <a:buClr>
-                <a:schemeClr val="accent1"/>
-              </a:buClr>
-              <a:buFont typeface="Calibri" pitchFamily="34" charset="0"/>
-              <a:buChar char="◦"/>
-              <a:defRPr sz="1400" kern="1200">
-                <a:solidFill>
-                  <a:schemeClr val="tx1">
-                    <a:lumMod val="75000"/>
-                    <a:lumOff val="25000"/>
-                  </a:schemeClr>
-                </a:solidFill>
-                <a:latin typeface="+mn-lt"/>
-                <a:ea typeface="+mn-ea"/>
-                <a:cs typeface="+mn-cs"/>
-              </a:defRPr>
-            </a:lvl6pPr>
-            <a:lvl7pPr marL="1300000" indent="-228600" algn="l" defTabSz="914400" rtl="0" eaLnBrk="1" latinLnBrk="0" hangingPunct="1">
-              <a:lnSpc>
-                <a:spcPct val="90000"/>
-              </a:lnSpc>
-              <a:spcBef>
-                <a:spcPts val="200"/>
-              </a:spcBef>
-              <a:spcAft>
-                <a:spcPts val="400"/>
-              </a:spcAft>
-              <a:buClr>
-                <a:schemeClr val="accent1"/>
-              </a:buClr>
-              <a:buFont typeface="Calibri" pitchFamily="34" charset="0"/>
-              <a:buChar char="◦"/>
-              <a:defRPr sz="1400" kern="1200">
-                <a:solidFill>
-                  <a:schemeClr val="tx1">
-                    <a:lumMod val="75000"/>
-                    <a:lumOff val="25000"/>
-                  </a:schemeClr>
-                </a:solidFill>
-                <a:latin typeface="+mn-lt"/>
-                <a:ea typeface="+mn-ea"/>
-                <a:cs typeface="+mn-cs"/>
-              </a:defRPr>
-            </a:lvl7pPr>
-            <a:lvl8pPr marL="1500000" indent="-228600" algn="l" defTabSz="914400" rtl="0" eaLnBrk="1" latinLnBrk="0" hangingPunct="1">
-              <a:lnSpc>
-                <a:spcPct val="90000"/>
-              </a:lnSpc>
-              <a:spcBef>
-                <a:spcPts val="200"/>
-              </a:spcBef>
-              <a:spcAft>
-                <a:spcPts val="400"/>
-              </a:spcAft>
-              <a:buClr>
-                <a:schemeClr val="accent1"/>
-              </a:buClr>
-              <a:buFont typeface="Calibri" pitchFamily="34" charset="0"/>
-              <a:buChar char="◦"/>
-              <a:defRPr sz="1400" kern="1200">
-                <a:solidFill>
-                  <a:schemeClr val="tx1">
-                    <a:lumMod val="75000"/>
-                    <a:lumOff val="25000"/>
-                  </a:schemeClr>
-                </a:solidFill>
-                <a:latin typeface="+mn-lt"/>
-                <a:ea typeface="+mn-ea"/>
-                <a:cs typeface="+mn-cs"/>
-              </a:defRPr>
-            </a:lvl8pPr>
-            <a:lvl9pPr marL="1700000" indent="-228600" algn="l" defTabSz="914400" rtl="0" eaLnBrk="1" latinLnBrk="0" hangingPunct="1">
-              <a:lnSpc>
-                <a:spcPct val="90000"/>
-              </a:lnSpc>
-              <a:spcBef>
-                <a:spcPts val="200"/>
-              </a:spcBef>
-              <a:spcAft>
-                <a:spcPts val="400"/>
-              </a:spcAft>
-              <a:buClr>
-                <a:schemeClr val="accent1"/>
-              </a:buClr>
-              <a:buFont typeface="Calibri" pitchFamily="34" charset="0"/>
-              <a:buChar char="◦"/>
-              <a:defRPr sz="1400" kern="1200">
-                <a:solidFill>
-                  <a:schemeClr val="tx1">
-                    <a:lumMod val="75000"/>
-                    <a:lumOff val="25000"/>
-                  </a:schemeClr>
-                </a:solidFill>
-                <a:latin typeface="+mn-lt"/>
-                <a:ea typeface="+mn-ea"/>
-                <a:cs typeface="+mn-cs"/>
-              </a:defRPr>
-            </a:lvl9pPr>
-          </a:lstStyle>
-          <a:p>
-            <a:pPr algn="just">
-              <a:lnSpc>
-                <a:spcPct val="150000"/>
-              </a:lnSpc>
-            </a:pPr>
-            <a:r>
-              <a:rPr lang="en-US" sz="1600" dirty="0">
-                <a:latin typeface="Bahnschrift Light" panose="020B0502040204020203" pitchFamily="34" charset="0"/>
-              </a:rPr>
-              <a:t>Lorem ipsum dolor sit </a:t>
-            </a:r>
-            <a:r>
-              <a:rPr lang="en-US" sz="1600" dirty="0" err="1">
-                <a:latin typeface="Bahnschrift Light" panose="020B0502040204020203" pitchFamily="34" charset="0"/>
-              </a:rPr>
-              <a:t>amet</a:t>
-            </a:r>
-            <a:r>
-              <a:rPr lang="en-US" sz="1600" dirty="0">
-                <a:latin typeface="Bahnschrift Light" panose="020B0502040204020203" pitchFamily="34" charset="0"/>
-              </a:rPr>
-              <a:t>, </a:t>
-            </a:r>
-            <a:r>
-              <a:rPr lang="en-US" sz="1600" dirty="0" err="1">
-                <a:latin typeface="Bahnschrift Light" panose="020B0502040204020203" pitchFamily="34" charset="0"/>
-              </a:rPr>
-              <a:t>consectetur</a:t>
-            </a:r>
-            <a:r>
-              <a:rPr lang="en-US" sz="1600" dirty="0">
-                <a:latin typeface="Bahnschrift Light" panose="020B0502040204020203" pitchFamily="34" charset="0"/>
-              </a:rPr>
-              <a:t> </a:t>
-            </a:r>
-            <a:r>
-              <a:rPr lang="en-US" sz="1600" dirty="0" err="1">
-                <a:latin typeface="Bahnschrift Light" panose="020B0502040204020203" pitchFamily="34" charset="0"/>
-              </a:rPr>
-              <a:t>adipiscing</a:t>
-            </a:r>
-            <a:r>
-              <a:rPr lang="en-US" sz="1600" dirty="0">
-                <a:latin typeface="Bahnschrift Light" panose="020B0502040204020203" pitchFamily="34" charset="0"/>
-              </a:rPr>
-              <a:t> </a:t>
-            </a:r>
-            <a:r>
-              <a:rPr lang="en-US" sz="1600" dirty="0" err="1">
-                <a:latin typeface="Bahnschrift Light" panose="020B0502040204020203" pitchFamily="34" charset="0"/>
-              </a:rPr>
-              <a:t>elit</a:t>
-            </a:r>
-            <a:r>
-              <a:rPr lang="en-US" sz="1600" dirty="0">
-                <a:latin typeface="Bahnschrift Light" panose="020B0502040204020203" pitchFamily="34" charset="0"/>
-              </a:rPr>
-              <a:t>, sed do </a:t>
-            </a:r>
-            <a:r>
-              <a:rPr lang="en-US" sz="1600" dirty="0" err="1">
-                <a:latin typeface="Bahnschrift Light" panose="020B0502040204020203" pitchFamily="34" charset="0"/>
-              </a:rPr>
-              <a:t>eiusmod</a:t>
-            </a:r>
-            <a:r>
-              <a:rPr lang="en-US" sz="1600" dirty="0">
-                <a:latin typeface="Bahnschrift Light" panose="020B0502040204020203" pitchFamily="34" charset="0"/>
-              </a:rPr>
-              <a:t> </a:t>
-            </a:r>
-            <a:r>
-              <a:rPr lang="en-US" sz="1600" dirty="0" err="1">
-                <a:latin typeface="Bahnschrift Light" panose="020B0502040204020203" pitchFamily="34" charset="0"/>
-              </a:rPr>
-              <a:t>tempor</a:t>
-            </a:r>
-            <a:r>
-              <a:rPr lang="en-US" sz="1600" dirty="0">
-                <a:latin typeface="Bahnschrift Light" panose="020B0502040204020203" pitchFamily="34" charset="0"/>
-              </a:rPr>
-              <a:t> </a:t>
-            </a:r>
-            <a:r>
-              <a:rPr lang="en-US" sz="1600" dirty="0" err="1">
-                <a:latin typeface="Bahnschrift Light" panose="020B0502040204020203" pitchFamily="34" charset="0"/>
-              </a:rPr>
-              <a:t>incididunt</a:t>
-            </a:r>
-            <a:r>
-              <a:rPr lang="en-US" sz="1600" dirty="0">
-                <a:latin typeface="Bahnschrift Light" panose="020B0502040204020203" pitchFamily="34" charset="0"/>
-              </a:rPr>
-              <a:t> </a:t>
-            </a:r>
-            <a:r>
-              <a:rPr lang="en-US" sz="1600" dirty="0" err="1">
-                <a:latin typeface="Bahnschrift Light" panose="020B0502040204020203" pitchFamily="34" charset="0"/>
-              </a:rPr>
-              <a:t>ut</a:t>
-            </a:r>
-            <a:r>
-              <a:rPr lang="en-US" sz="1600" dirty="0">
-                <a:latin typeface="Bahnschrift Light" panose="020B0502040204020203" pitchFamily="34" charset="0"/>
-              </a:rPr>
-              <a:t> </a:t>
-            </a:r>
-            <a:r>
-              <a:rPr lang="en-US" sz="1600" dirty="0" err="1">
-                <a:latin typeface="Bahnschrift Light" panose="020B0502040204020203" pitchFamily="34" charset="0"/>
-              </a:rPr>
-              <a:t>labore</a:t>
-            </a:r>
-            <a:r>
-              <a:rPr lang="en-US" sz="1600" dirty="0">
-                <a:latin typeface="Bahnschrift Light" panose="020B0502040204020203" pitchFamily="34" charset="0"/>
-              </a:rPr>
-              <a:t> et dolore magna </a:t>
-            </a:r>
-            <a:r>
-              <a:rPr lang="en-US" sz="1600" dirty="0" err="1">
-                <a:latin typeface="Bahnschrift Light" panose="020B0502040204020203" pitchFamily="34" charset="0"/>
-              </a:rPr>
-              <a:t>aliqua</a:t>
-            </a:r>
-            <a:r>
-              <a:rPr lang="en-US" sz="1600" dirty="0">
-                <a:latin typeface="Bahnschrift Light" panose="020B0502040204020203" pitchFamily="34" charset="0"/>
-              </a:rPr>
-              <a:t>. Ut </a:t>
-            </a:r>
-            <a:r>
-              <a:rPr lang="en-US" sz="1600" dirty="0" err="1">
-                <a:latin typeface="Bahnschrift Light" panose="020B0502040204020203" pitchFamily="34" charset="0"/>
-              </a:rPr>
-              <a:t>enim</a:t>
-            </a:r>
-            <a:r>
-              <a:rPr lang="en-US" sz="1600" dirty="0">
-                <a:latin typeface="Bahnschrift Light" panose="020B0502040204020203" pitchFamily="34" charset="0"/>
-              </a:rPr>
-              <a:t> ad minim </a:t>
-            </a:r>
-            <a:r>
-              <a:rPr lang="en-US" sz="1600" dirty="0" err="1">
-                <a:latin typeface="Bahnschrift Light" panose="020B0502040204020203" pitchFamily="34" charset="0"/>
-              </a:rPr>
-              <a:t>veniam</a:t>
-            </a:r>
-            <a:r>
-              <a:rPr lang="en-US" sz="1600" dirty="0">
-                <a:latin typeface="Bahnschrift Light" panose="020B0502040204020203" pitchFamily="34" charset="0"/>
-              </a:rPr>
-              <a:t>, </a:t>
-            </a:r>
-            <a:r>
-              <a:rPr lang="en-US" sz="1600" dirty="0" err="1">
-                <a:latin typeface="Bahnschrift Light" panose="020B0502040204020203" pitchFamily="34" charset="0"/>
-              </a:rPr>
-              <a:t>quis</a:t>
-            </a:r>
-            <a:r>
-              <a:rPr lang="en-US" sz="1600" dirty="0">
-                <a:latin typeface="Bahnschrift Light" panose="020B0502040204020203" pitchFamily="34" charset="0"/>
-              </a:rPr>
-              <a:t> </a:t>
-            </a:r>
-            <a:r>
-              <a:rPr lang="en-US" sz="1600" dirty="0" err="1">
-                <a:latin typeface="Bahnschrift Light" panose="020B0502040204020203" pitchFamily="34" charset="0"/>
-              </a:rPr>
-              <a:t>nostrud</a:t>
-            </a:r>
-            <a:r>
-              <a:rPr lang="en-US" sz="1600" dirty="0">
-                <a:latin typeface="Bahnschrift Light" panose="020B0502040204020203" pitchFamily="34" charset="0"/>
-              </a:rPr>
-              <a:t> exercitation </a:t>
-            </a:r>
-            <a:r>
-              <a:rPr lang="en-US" sz="1600" dirty="0" err="1">
-                <a:latin typeface="Bahnschrift Light" panose="020B0502040204020203" pitchFamily="34" charset="0"/>
-              </a:rPr>
-              <a:t>ullamco</a:t>
-            </a:r>
-            <a:r>
-              <a:rPr lang="en-US" sz="1600" dirty="0">
-                <a:latin typeface="Bahnschrift Light" panose="020B0502040204020203" pitchFamily="34" charset="0"/>
-              </a:rPr>
-              <a:t> </a:t>
-            </a:r>
-            <a:r>
-              <a:rPr lang="en-US" sz="1600" dirty="0" err="1">
-                <a:latin typeface="Bahnschrift Light" panose="020B0502040204020203" pitchFamily="34" charset="0"/>
-              </a:rPr>
-              <a:t>laboris</a:t>
-            </a:r>
-            <a:r>
-              <a:rPr lang="en-US" sz="1600" dirty="0">
-                <a:latin typeface="Bahnschrift Light" panose="020B0502040204020203" pitchFamily="34" charset="0"/>
-              </a:rPr>
-              <a:t> nisi </a:t>
-            </a:r>
-            <a:r>
-              <a:rPr lang="en-US" sz="1600" dirty="0" err="1">
-                <a:latin typeface="Bahnschrift Light" panose="020B0502040204020203" pitchFamily="34" charset="0"/>
-              </a:rPr>
-              <a:t>ut</a:t>
-            </a:r>
-            <a:r>
-              <a:rPr lang="en-US" sz="1600" dirty="0">
-                <a:latin typeface="Bahnschrift Light" panose="020B0502040204020203" pitchFamily="34" charset="0"/>
-              </a:rPr>
-              <a:t> </a:t>
-            </a:r>
-            <a:r>
-              <a:rPr lang="en-US" sz="1600" dirty="0" err="1">
-                <a:latin typeface="Bahnschrift Light" panose="020B0502040204020203" pitchFamily="34" charset="0"/>
-              </a:rPr>
-              <a:t>aliquip</a:t>
-            </a:r>
-            <a:r>
-              <a:rPr lang="en-US" sz="1600" dirty="0">
-                <a:latin typeface="Bahnschrift Light" panose="020B0502040204020203" pitchFamily="34" charset="0"/>
-              </a:rPr>
-              <a:t> ex </a:t>
-            </a:r>
-            <a:r>
-              <a:rPr lang="en-US" sz="1600" dirty="0" err="1">
-                <a:latin typeface="Bahnschrift Light" panose="020B0502040204020203" pitchFamily="34" charset="0"/>
-              </a:rPr>
-              <a:t>ea</a:t>
-            </a:r>
-            <a:r>
-              <a:rPr lang="en-US" sz="1600" dirty="0">
-                <a:latin typeface="Bahnschrift Light" panose="020B0502040204020203" pitchFamily="34" charset="0"/>
-              </a:rPr>
-              <a:t> </a:t>
-            </a:r>
-            <a:r>
-              <a:rPr lang="en-US" sz="1600" dirty="0" err="1">
-                <a:latin typeface="Bahnschrift Light" panose="020B0502040204020203" pitchFamily="34" charset="0"/>
-              </a:rPr>
-              <a:t>commodo</a:t>
-            </a:r>
-            <a:r>
-              <a:rPr lang="en-US" sz="1600" dirty="0">
-                <a:latin typeface="Bahnschrift Light" panose="020B0502040204020203" pitchFamily="34" charset="0"/>
-              </a:rPr>
-              <a:t> </a:t>
-            </a:r>
-            <a:r>
-              <a:rPr lang="en-US" sz="1600" dirty="0" err="1">
-                <a:latin typeface="Bahnschrift Light" panose="020B0502040204020203" pitchFamily="34" charset="0"/>
-              </a:rPr>
-              <a:t>consequat</a:t>
-            </a:r>
-            <a:r>
-              <a:rPr lang="en-US" sz="1600" dirty="0">
-                <a:latin typeface="Bahnschrift Light" panose="020B0502040204020203" pitchFamily="34" charset="0"/>
-              </a:rPr>
-              <a:t>.</a:t>
-            </a:r>
-          </a:p>
-          <a:p>
-            <a:pPr algn="just">
-              <a:lnSpc>
-                <a:spcPct val="150000"/>
-              </a:lnSpc>
-            </a:pPr>
-            <a:r>
-              <a:rPr lang="en-US" sz="1600" dirty="0">
-                <a:latin typeface="Bahnschrift Light" panose="020B0502040204020203" pitchFamily="34" charset="0"/>
-              </a:rPr>
-              <a:t>Duis </a:t>
-            </a:r>
-            <a:r>
-              <a:rPr lang="en-US" sz="1600" dirty="0" err="1">
-                <a:latin typeface="Bahnschrift Light" panose="020B0502040204020203" pitchFamily="34" charset="0"/>
-              </a:rPr>
-              <a:t>aute</a:t>
-            </a:r>
-            <a:r>
-              <a:rPr lang="en-US" sz="1600" dirty="0">
-                <a:latin typeface="Bahnschrift Light" panose="020B0502040204020203" pitchFamily="34" charset="0"/>
-              </a:rPr>
-              <a:t> </a:t>
-            </a:r>
-            <a:r>
-              <a:rPr lang="en-US" sz="1600" dirty="0" err="1">
-                <a:latin typeface="Bahnschrift Light" panose="020B0502040204020203" pitchFamily="34" charset="0"/>
-              </a:rPr>
-              <a:t>irure</a:t>
-            </a:r>
-            <a:r>
-              <a:rPr lang="en-US" sz="1600" dirty="0">
-                <a:latin typeface="Bahnschrift Light" panose="020B0502040204020203" pitchFamily="34" charset="0"/>
-              </a:rPr>
-              <a:t> dolor in </a:t>
-            </a:r>
-            <a:r>
-              <a:rPr lang="en-US" sz="1600" dirty="0" err="1">
-                <a:latin typeface="Bahnschrift Light" panose="020B0502040204020203" pitchFamily="34" charset="0"/>
-              </a:rPr>
-              <a:t>reprehenderit</a:t>
-            </a:r>
-            <a:r>
-              <a:rPr lang="en-US" sz="1600" dirty="0">
-                <a:latin typeface="Bahnschrift Light" panose="020B0502040204020203" pitchFamily="34" charset="0"/>
-              </a:rPr>
-              <a:t> in </a:t>
-            </a:r>
-            <a:r>
-              <a:rPr lang="en-US" sz="1600" dirty="0" err="1">
-                <a:latin typeface="Bahnschrift Light" panose="020B0502040204020203" pitchFamily="34" charset="0"/>
-              </a:rPr>
-              <a:t>voluptate</a:t>
-            </a:r>
-            <a:r>
-              <a:rPr lang="en-US" sz="1600" dirty="0">
-                <a:latin typeface="Bahnschrift Light" panose="020B0502040204020203" pitchFamily="34" charset="0"/>
-              </a:rPr>
-              <a:t> </a:t>
-            </a:r>
-            <a:r>
-              <a:rPr lang="en-US" sz="1600" dirty="0" err="1">
-                <a:latin typeface="Bahnschrift Light" panose="020B0502040204020203" pitchFamily="34" charset="0"/>
-              </a:rPr>
-              <a:t>velit</a:t>
-            </a:r>
-            <a:r>
-              <a:rPr lang="en-US" sz="1600" dirty="0">
-                <a:latin typeface="Bahnschrift Light" panose="020B0502040204020203" pitchFamily="34" charset="0"/>
-              </a:rPr>
-              <a:t> </a:t>
-            </a:r>
-            <a:r>
-              <a:rPr lang="en-US" sz="1600" dirty="0" err="1">
-                <a:latin typeface="Bahnschrift Light" panose="020B0502040204020203" pitchFamily="34" charset="0"/>
-              </a:rPr>
-              <a:t>esse</a:t>
-            </a:r>
-            <a:r>
-              <a:rPr lang="en-US" sz="1600" dirty="0">
-                <a:latin typeface="Bahnschrift Light" panose="020B0502040204020203" pitchFamily="34" charset="0"/>
-              </a:rPr>
-              <a:t> </a:t>
-            </a:r>
-            <a:r>
-              <a:rPr lang="en-US" sz="1600" dirty="0" err="1">
-                <a:latin typeface="Bahnschrift Light" panose="020B0502040204020203" pitchFamily="34" charset="0"/>
-              </a:rPr>
-              <a:t>cillum</a:t>
-            </a:r>
-            <a:r>
-              <a:rPr lang="en-US" sz="1600" dirty="0">
-                <a:latin typeface="Bahnschrift Light" panose="020B0502040204020203" pitchFamily="34" charset="0"/>
-              </a:rPr>
-              <a:t> dolore </a:t>
-            </a:r>
-            <a:r>
-              <a:rPr lang="en-US" sz="1600" dirty="0" err="1">
-                <a:latin typeface="Bahnschrift Light" panose="020B0502040204020203" pitchFamily="34" charset="0"/>
-              </a:rPr>
-              <a:t>eu</a:t>
-            </a:r>
-            <a:r>
-              <a:rPr lang="en-US" sz="1600" dirty="0">
-                <a:latin typeface="Bahnschrift Light" panose="020B0502040204020203" pitchFamily="34" charset="0"/>
-              </a:rPr>
-              <a:t> </a:t>
-            </a:r>
-            <a:r>
-              <a:rPr lang="en-US" sz="1600" dirty="0" err="1">
-                <a:latin typeface="Bahnschrift Light" panose="020B0502040204020203" pitchFamily="34" charset="0"/>
-              </a:rPr>
-              <a:t>fugiat</a:t>
-            </a:r>
-            <a:r>
-              <a:rPr lang="en-US" sz="1600" dirty="0">
-                <a:latin typeface="Bahnschrift Light" panose="020B0502040204020203" pitchFamily="34" charset="0"/>
-              </a:rPr>
-              <a:t> </a:t>
-            </a:r>
-            <a:r>
-              <a:rPr lang="en-US" sz="1600" dirty="0" err="1">
-                <a:latin typeface="Bahnschrift Light" panose="020B0502040204020203" pitchFamily="34" charset="0"/>
-              </a:rPr>
-              <a:t>nulla</a:t>
-            </a:r>
-            <a:r>
-              <a:rPr lang="en-US" sz="1600" dirty="0">
-                <a:latin typeface="Bahnschrift Light" panose="020B0502040204020203" pitchFamily="34" charset="0"/>
-              </a:rPr>
-              <a:t> </a:t>
-            </a:r>
-            <a:r>
-              <a:rPr lang="en-US" sz="1600" dirty="0" err="1">
-                <a:latin typeface="Bahnschrift Light" panose="020B0502040204020203" pitchFamily="34" charset="0"/>
-              </a:rPr>
-              <a:t>pariatur</a:t>
-            </a:r>
-            <a:r>
-              <a:rPr lang="en-US" sz="1600" dirty="0">
-                <a:latin typeface="Bahnschrift Light" panose="020B0502040204020203" pitchFamily="34" charset="0"/>
-              </a:rPr>
-              <a:t>. </a:t>
-            </a:r>
-            <a:r>
-              <a:rPr lang="en-US" sz="1600" dirty="0" err="1">
-                <a:latin typeface="Bahnschrift Light" panose="020B0502040204020203" pitchFamily="34" charset="0"/>
-              </a:rPr>
-              <a:t>Excepteur</a:t>
-            </a:r>
-            <a:r>
-              <a:rPr lang="en-US" sz="1600" dirty="0">
-                <a:latin typeface="Bahnschrift Light" panose="020B0502040204020203" pitchFamily="34" charset="0"/>
-              </a:rPr>
-              <a:t> </a:t>
-            </a:r>
-            <a:r>
-              <a:rPr lang="en-US" sz="1600" dirty="0" err="1">
-                <a:latin typeface="Bahnschrift Light" panose="020B0502040204020203" pitchFamily="34" charset="0"/>
-              </a:rPr>
-              <a:t>sint</a:t>
-            </a:r>
-            <a:r>
-              <a:rPr lang="en-US" sz="1600" dirty="0">
-                <a:latin typeface="Bahnschrift Light" panose="020B0502040204020203" pitchFamily="34" charset="0"/>
-              </a:rPr>
-              <a:t> </a:t>
-            </a:r>
-            <a:r>
-              <a:rPr lang="en-US" sz="1600" dirty="0" err="1">
-                <a:latin typeface="Bahnschrift Light" panose="020B0502040204020203" pitchFamily="34" charset="0"/>
-              </a:rPr>
-              <a:t>occaecat</a:t>
-            </a:r>
-            <a:r>
-              <a:rPr lang="en-US" sz="1600" dirty="0">
-                <a:latin typeface="Bahnschrift Light" panose="020B0502040204020203" pitchFamily="34" charset="0"/>
-              </a:rPr>
-              <a:t> </a:t>
-            </a:r>
-            <a:r>
-              <a:rPr lang="en-US" sz="1600" dirty="0" err="1">
-                <a:latin typeface="Bahnschrift Light" panose="020B0502040204020203" pitchFamily="34" charset="0"/>
-              </a:rPr>
-              <a:t>cupidatat</a:t>
-            </a:r>
-            <a:r>
-              <a:rPr lang="en-US" sz="1600" dirty="0">
-                <a:latin typeface="Bahnschrift Light" panose="020B0502040204020203" pitchFamily="34" charset="0"/>
-              </a:rPr>
-              <a:t> non </a:t>
-            </a:r>
-            <a:r>
-              <a:rPr lang="en-US" sz="1600" dirty="0" err="1">
-                <a:latin typeface="Bahnschrift Light" panose="020B0502040204020203" pitchFamily="34" charset="0"/>
-              </a:rPr>
-              <a:t>proident</a:t>
-            </a:r>
-            <a:r>
-              <a:rPr lang="en-US" sz="1600" dirty="0">
-                <a:latin typeface="Bahnschrift Light" panose="020B0502040204020203" pitchFamily="34" charset="0"/>
-              </a:rPr>
-              <a:t>, sunt in culpa qui </a:t>
-            </a:r>
-            <a:r>
-              <a:rPr lang="en-US" sz="1600" dirty="0" err="1">
-                <a:latin typeface="Bahnschrift Light" panose="020B0502040204020203" pitchFamily="34" charset="0"/>
-              </a:rPr>
-              <a:t>officia</a:t>
-            </a:r>
-            <a:r>
-              <a:rPr lang="en-US" sz="1600" dirty="0">
-                <a:latin typeface="Bahnschrift Light" panose="020B0502040204020203" pitchFamily="34" charset="0"/>
-              </a:rPr>
-              <a:t> </a:t>
-            </a:r>
-            <a:r>
-              <a:rPr lang="en-US" sz="1600" dirty="0" err="1">
-                <a:latin typeface="Bahnschrift Light" panose="020B0502040204020203" pitchFamily="34" charset="0"/>
-              </a:rPr>
-              <a:t>deserunt</a:t>
-            </a:r>
-            <a:r>
-              <a:rPr lang="en-US" sz="1600" dirty="0">
-                <a:latin typeface="Bahnschrift Light" panose="020B0502040204020203" pitchFamily="34" charset="0"/>
-              </a:rPr>
-              <a:t> </a:t>
-            </a:r>
-            <a:r>
-              <a:rPr lang="en-US" sz="1600" dirty="0" err="1">
-                <a:latin typeface="Bahnschrift Light" panose="020B0502040204020203" pitchFamily="34" charset="0"/>
-              </a:rPr>
-              <a:t>mollit</a:t>
-            </a:r>
-            <a:r>
-              <a:rPr lang="en-US" sz="1600" dirty="0">
-                <a:latin typeface="Bahnschrift Light" panose="020B0502040204020203" pitchFamily="34" charset="0"/>
-              </a:rPr>
-              <a:t> </a:t>
-            </a:r>
-            <a:r>
-              <a:rPr lang="en-US" sz="1600" dirty="0" err="1">
-                <a:latin typeface="Bahnschrift Light" panose="020B0502040204020203" pitchFamily="34" charset="0"/>
-              </a:rPr>
-              <a:t>anim</a:t>
-            </a:r>
-            <a:r>
-              <a:rPr lang="en-US" sz="1600" dirty="0">
-                <a:latin typeface="Bahnschrift Light" panose="020B0502040204020203" pitchFamily="34" charset="0"/>
-              </a:rPr>
-              <a:t> id </a:t>
-            </a:r>
-            <a:r>
-              <a:rPr lang="en-US" sz="1600" dirty="0" err="1">
-                <a:latin typeface="Bahnschrift Light" panose="020B0502040204020203" pitchFamily="34" charset="0"/>
-              </a:rPr>
-              <a:t>est</a:t>
-            </a:r>
-            <a:r>
-              <a:rPr lang="en-US" sz="1600" dirty="0">
-                <a:latin typeface="Bahnschrift Light" panose="020B0502040204020203" pitchFamily="34" charset="0"/>
-              </a:rPr>
-              <a:t> </a:t>
-            </a:r>
-            <a:r>
-              <a:rPr lang="en-US" sz="1600" dirty="0" err="1">
-                <a:latin typeface="Bahnschrift Light" panose="020B0502040204020203" pitchFamily="34" charset="0"/>
-              </a:rPr>
-              <a:t>laborum</a:t>
-            </a:r>
-            <a:r>
-              <a:rPr lang="en-US" sz="1600" dirty="0">
-                <a:latin typeface="Bahnschrift Light" panose="020B0502040204020203" pitchFamily="34" charset="0"/>
-              </a:rPr>
-              <a:t>.</a:t>
             </a:r>
           </a:p>
         </p:txBody>
@@ -10002,545 +7324,29 @@
             </a:lvl9pPr>
           </a:lstStyle>
           <a:p>
-            <a:pPr algn="just">
+            <a:pPr lvl="1" algn="just">
               <a:lnSpc>
                 <a:spcPct val="150000"/>
               </a:lnSpc>
             </a:pPr>
             <a:r>
-              <a:rPr lang="en-US" sz="1600" dirty="0">
+              <a:rPr lang="en-US" sz="1400" dirty="0">
                 <a:latin typeface="Bahnschrift Light" panose="020B0502040204020203" pitchFamily="34" charset="0"/>
               </a:rPr>
-              <a:t>Lorem ipsum dolor sit </a:t>
-            </a:r>
-            <a:r>
-              <a:rPr lang="en-US" sz="1600" dirty="0" err="1">
-                <a:latin typeface="Bahnschrift Light" panose="020B0502040204020203" pitchFamily="34" charset="0"/>
-              </a:rPr>
-              <a:t>amet</a:t>
-            </a:r>
-            <a:r>
-              <a:rPr lang="en-US" sz="1600" dirty="0">
-                <a:latin typeface="Bahnschrift Light" panose="020B0502040204020203" pitchFamily="34" charset="0"/>
-              </a:rPr>
-              <a:t>, </a:t>
-            </a:r>
-            <a:r>
-              <a:rPr lang="en-US" sz="1600" dirty="0" err="1">
-                <a:latin typeface="Bahnschrift Light" panose="020B0502040204020203" pitchFamily="34" charset="0"/>
-              </a:rPr>
-              <a:t>consectetur</a:t>
-            </a:r>
-            <a:r>
-              <a:rPr lang="en-US" sz="1600" dirty="0">
-                <a:latin typeface="Bahnschrift Light" panose="020B0502040204020203" pitchFamily="34" charset="0"/>
-              </a:rPr>
-              <a:t> </a:t>
-            </a:r>
-            <a:r>
-              <a:rPr lang="en-US" sz="1600" dirty="0" err="1">
-                <a:latin typeface="Bahnschrift Light" panose="020B0502040204020203" pitchFamily="34" charset="0"/>
-              </a:rPr>
-              <a:t>adipiscing</a:t>
-            </a:r>
-            <a:r>
-              <a:rPr lang="en-US" sz="1600" dirty="0">
-                <a:latin typeface="Bahnschrift Light" panose="020B0502040204020203" pitchFamily="34" charset="0"/>
-              </a:rPr>
-              <a:t> </a:t>
-            </a:r>
-            <a:r>
-              <a:rPr lang="en-US" sz="1600" dirty="0" err="1">
-                <a:latin typeface="Bahnschrift Light" panose="020B0502040204020203" pitchFamily="34" charset="0"/>
-              </a:rPr>
-              <a:t>elit</a:t>
-            </a:r>
-            <a:r>
-              <a:rPr lang="en-US" sz="1600" dirty="0">
-                <a:latin typeface="Bahnschrift Light" panose="020B0502040204020203" pitchFamily="34" charset="0"/>
-              </a:rPr>
-              <a:t>, sed do </a:t>
-            </a:r>
-            <a:r>
-              <a:rPr lang="en-US" sz="1600" dirty="0" err="1">
-                <a:latin typeface="Bahnschrift Light" panose="020B0502040204020203" pitchFamily="34" charset="0"/>
-              </a:rPr>
-              <a:t>eiusmod</a:t>
-            </a:r>
-            <a:r>
-              <a:rPr lang="en-US" sz="1600" dirty="0">
-                <a:latin typeface="Bahnschrift Light" panose="020B0502040204020203" pitchFamily="34" charset="0"/>
-              </a:rPr>
-              <a:t> </a:t>
-            </a:r>
-            <a:r>
-              <a:rPr lang="en-US" sz="1600" dirty="0" err="1">
-                <a:latin typeface="Bahnschrift Light" panose="020B0502040204020203" pitchFamily="34" charset="0"/>
-              </a:rPr>
-              <a:t>tempor</a:t>
-            </a:r>
-            <a:r>
-              <a:rPr lang="en-US" sz="1600" dirty="0">
-                <a:latin typeface="Bahnschrift Light" panose="020B0502040204020203" pitchFamily="34" charset="0"/>
-              </a:rPr>
-              <a:t> </a:t>
-            </a:r>
-            <a:r>
-              <a:rPr lang="en-US" sz="1600" dirty="0" err="1">
-                <a:latin typeface="Bahnschrift Light" panose="020B0502040204020203" pitchFamily="34" charset="0"/>
-              </a:rPr>
-              <a:t>incididunt</a:t>
-            </a:r>
-            <a:r>
-              <a:rPr lang="en-US" sz="1600" dirty="0">
-                <a:latin typeface="Bahnschrift Light" panose="020B0502040204020203" pitchFamily="34" charset="0"/>
-              </a:rPr>
-              <a:t> </a:t>
-            </a:r>
-            <a:r>
-              <a:rPr lang="en-US" sz="1600" dirty="0" err="1">
-                <a:latin typeface="Bahnschrift Light" panose="020B0502040204020203" pitchFamily="34" charset="0"/>
-              </a:rPr>
-              <a:t>ut</a:t>
-            </a:r>
-            <a:r>
-              <a:rPr lang="en-US" sz="1600" dirty="0">
-                <a:latin typeface="Bahnschrift Light" panose="020B0502040204020203" pitchFamily="34" charset="0"/>
-              </a:rPr>
-              <a:t> </a:t>
-            </a:r>
-            <a:r>
-              <a:rPr lang="en-US" sz="1600" dirty="0" err="1">
-                <a:latin typeface="Bahnschrift Light" panose="020B0502040204020203" pitchFamily="34" charset="0"/>
-              </a:rPr>
-              <a:t>labore</a:t>
-            </a:r>
-            <a:r>
-              <a:rPr lang="en-US" sz="1600" dirty="0">
-                <a:latin typeface="Bahnschrift Light" panose="020B0502040204020203" pitchFamily="34" charset="0"/>
-              </a:rPr>
-              <a:t> et dolore magna </a:t>
-            </a:r>
-            <a:r>
-              <a:rPr lang="en-US" sz="1600" dirty="0" err="1">
-                <a:latin typeface="Bahnschrift Light" panose="020B0502040204020203" pitchFamily="34" charset="0"/>
-              </a:rPr>
-              <a:t>aliqua</a:t>
-            </a:r>
-            <a:r>
-              <a:rPr lang="en-US" sz="1600" dirty="0">
-                <a:latin typeface="Bahnschrift Light" panose="020B0502040204020203" pitchFamily="34" charset="0"/>
-              </a:rPr>
-              <a:t>. Ut </a:t>
-            </a:r>
-            <a:r>
-              <a:rPr lang="en-US" sz="1600" dirty="0" err="1">
-                <a:latin typeface="Bahnschrift Light" panose="020B0502040204020203" pitchFamily="34" charset="0"/>
-              </a:rPr>
-              <a:t>enim</a:t>
-            </a:r>
-            <a:r>
-              <a:rPr lang="en-US" sz="1600" dirty="0">
-                <a:latin typeface="Bahnschrift Light" panose="020B0502040204020203" pitchFamily="34" charset="0"/>
-              </a:rPr>
-              <a:t> ad minim </a:t>
-            </a:r>
-            <a:r>
-              <a:rPr lang="en-US" sz="1600" dirty="0" err="1">
-                <a:latin typeface="Bahnschrift Light" panose="020B0502040204020203" pitchFamily="34" charset="0"/>
-              </a:rPr>
-              <a:t>veniam</a:t>
-            </a:r>
-            <a:r>
-              <a:rPr lang="en-US" sz="1600" dirty="0">
-                <a:latin typeface="Bahnschrift Light" panose="020B0502040204020203" pitchFamily="34" charset="0"/>
-              </a:rPr>
-              <a:t>, </a:t>
-            </a:r>
-            <a:r>
-              <a:rPr lang="en-US" sz="1600" dirty="0" err="1">
-                <a:latin typeface="Bahnschrift Light" panose="020B0502040204020203" pitchFamily="34" charset="0"/>
-              </a:rPr>
-              <a:t>quis</a:t>
-            </a:r>
-            <a:r>
-              <a:rPr lang="en-US" sz="1600" dirty="0">
-                <a:latin typeface="Bahnschrift Light" panose="020B0502040204020203" pitchFamily="34" charset="0"/>
-              </a:rPr>
-              <a:t> </a:t>
-            </a:r>
-            <a:r>
-              <a:rPr lang="en-US" sz="1600" dirty="0" err="1">
-                <a:latin typeface="Bahnschrift Light" panose="020B0502040204020203" pitchFamily="34" charset="0"/>
-              </a:rPr>
-              <a:t>nostrud</a:t>
-            </a:r>
-            <a:r>
-              <a:rPr lang="en-US" sz="1600" dirty="0">
-                <a:latin typeface="Bahnschrift Light" panose="020B0502040204020203" pitchFamily="34" charset="0"/>
-              </a:rPr>
-              <a:t> exercitation </a:t>
-            </a:r>
-            <a:r>
-              <a:rPr lang="en-US" sz="1600" dirty="0" err="1">
-                <a:latin typeface="Bahnschrift Light" panose="020B0502040204020203" pitchFamily="34" charset="0"/>
-              </a:rPr>
-              <a:t>ullamco</a:t>
-            </a:r>
-            <a:r>
-              <a:rPr lang="en-US" sz="1600" dirty="0">
-                <a:latin typeface="Bahnschrift Light" panose="020B0502040204020203" pitchFamily="34" charset="0"/>
-              </a:rPr>
-              <a:t> </a:t>
-            </a:r>
-            <a:r>
-              <a:rPr lang="en-US" sz="1600" dirty="0" err="1">
-                <a:latin typeface="Bahnschrift Light" panose="020B0502040204020203" pitchFamily="34" charset="0"/>
-              </a:rPr>
-              <a:t>laboris</a:t>
-            </a:r>
-            <a:r>
-              <a:rPr lang="en-US" sz="1600" dirty="0">
-                <a:latin typeface="Bahnschrift Light" panose="020B0502040204020203" pitchFamily="34" charset="0"/>
-              </a:rPr>
-              <a:t> nisi </a:t>
-            </a:r>
-            <a:r>
-              <a:rPr lang="en-US" sz="1600" dirty="0" err="1">
-                <a:latin typeface="Bahnschrift Light" panose="020B0502040204020203" pitchFamily="34" charset="0"/>
-              </a:rPr>
-              <a:t>ut</a:t>
-            </a:r>
-            <a:r>
-              <a:rPr lang="en-US" sz="1600" dirty="0">
-                <a:latin typeface="Bahnschrift Light" panose="020B0502040204020203" pitchFamily="34" charset="0"/>
-              </a:rPr>
-              <a:t> </a:t>
-            </a:r>
-            <a:r>
-              <a:rPr lang="en-US" sz="1600" dirty="0" err="1">
-                <a:latin typeface="Bahnschrift Light" panose="020B0502040204020203" pitchFamily="34" charset="0"/>
-              </a:rPr>
-              <a:t>aliquip</a:t>
-            </a:r>
-            <a:r>
-              <a:rPr lang="en-US" sz="1600" dirty="0">
-                <a:latin typeface="Bahnschrift Light" panose="020B0502040204020203" pitchFamily="34" charset="0"/>
-              </a:rPr>
-              <a:t> ex </a:t>
-            </a:r>
-            <a:r>
-              <a:rPr lang="en-US" sz="1600" dirty="0" err="1">
-                <a:latin typeface="Bahnschrift Light" panose="020B0502040204020203" pitchFamily="34" charset="0"/>
-              </a:rPr>
-              <a:t>ea</a:t>
-            </a:r>
-            <a:r>
-              <a:rPr lang="en-US" sz="1600" dirty="0">
-                <a:latin typeface="Bahnschrift Light" panose="020B0502040204020203" pitchFamily="34" charset="0"/>
-              </a:rPr>
-              <a:t> </a:t>
-            </a:r>
-            <a:r>
-              <a:rPr lang="en-US" sz="1600" dirty="0" err="1">
-                <a:latin typeface="Bahnschrift Light" panose="020B0502040204020203" pitchFamily="34" charset="0"/>
-              </a:rPr>
-              <a:t>commodo</a:t>
-            </a:r>
-            <a:r>
-              <a:rPr lang="en-US" sz="1600" dirty="0">
-                <a:latin typeface="Bahnschrift Light" panose="020B0502040204020203" pitchFamily="34" charset="0"/>
-              </a:rPr>
-              <a:t> </a:t>
-            </a:r>
-            <a:r>
-              <a:rPr lang="en-US" sz="1600" dirty="0" err="1">
-                <a:latin typeface="Bahnschrift Light" panose="020B0502040204020203" pitchFamily="34" charset="0"/>
-              </a:rPr>
-              <a:t>consequat</a:t>
-            </a:r>
-            <a:r>
-              <a:rPr lang="en-US" sz="1600" dirty="0">
-                <a:latin typeface="Bahnschrift Light" panose="020B0502040204020203" pitchFamily="34" charset="0"/>
-              </a:rPr>
-              <a:t>.</a:t>
-            </a:r>
-          </a:p>
-          <a:p>
-            <a:pPr algn="just">
+              <a:t>Experimenting the usage of hybrid model combination using ensemble techniques.</a:t>
+            </a:r>
+          </a:p>
+          <a:p>
+            <a:pPr lvl="1" algn="just">
               <a:lnSpc>
                 <a:spcPct val="150000"/>
               </a:lnSpc>
             </a:pPr>
             <a:r>
-              <a:rPr lang="en-US" sz="1600" dirty="0">
+              <a:rPr lang="en-US" sz="1400" dirty="0">
                 <a:latin typeface="Bahnschrift Light" panose="020B0502040204020203" pitchFamily="34" charset="0"/>
               </a:rPr>
-              <a:t>Duis </a:t>
-            </a:r>
-            <a:r>
-              <a:rPr lang="en-US" sz="1600" dirty="0" err="1">
-                <a:latin typeface="Bahnschrift Light" panose="020B0502040204020203" pitchFamily="34" charset="0"/>
-              </a:rPr>
-              <a:t>aute</a:t>
-            </a:r>
-            <a:r>
-              <a:rPr lang="en-US" sz="1600" dirty="0">
-                <a:latin typeface="Bahnschrift Light" panose="020B0502040204020203" pitchFamily="34" charset="0"/>
-              </a:rPr>
-              <a:t> </a:t>
-            </a:r>
-            <a:r>
-              <a:rPr lang="en-US" sz="1600" dirty="0" err="1">
-                <a:latin typeface="Bahnschrift Light" panose="020B0502040204020203" pitchFamily="34" charset="0"/>
-              </a:rPr>
-              <a:t>irure</a:t>
-            </a:r>
-            <a:r>
-              <a:rPr lang="en-US" sz="1600" dirty="0">
-                <a:latin typeface="Bahnschrift Light" panose="020B0502040204020203" pitchFamily="34" charset="0"/>
-              </a:rPr>
-              <a:t> dolor in </a:t>
-            </a:r>
-            <a:r>
-              <a:rPr lang="en-US" sz="1600" dirty="0" err="1">
-                <a:latin typeface="Bahnschrift Light" panose="020B0502040204020203" pitchFamily="34" charset="0"/>
-              </a:rPr>
-              <a:t>reprehenderit</a:t>
-            </a:r>
-            <a:r>
-              <a:rPr lang="en-US" sz="1600" dirty="0">
-                <a:latin typeface="Bahnschrift Light" panose="020B0502040204020203" pitchFamily="34" charset="0"/>
-              </a:rPr>
-              <a:t> in </a:t>
-            </a:r>
-            <a:r>
-              <a:rPr lang="en-US" sz="1600" dirty="0" err="1">
-                <a:latin typeface="Bahnschrift Light" panose="020B0502040204020203" pitchFamily="34" charset="0"/>
-              </a:rPr>
-              <a:t>voluptate</a:t>
-            </a:r>
-            <a:r>
-              <a:rPr lang="en-US" sz="1600" dirty="0">
-                <a:latin typeface="Bahnschrift Light" panose="020B0502040204020203" pitchFamily="34" charset="0"/>
-              </a:rPr>
-              <a:t> </a:t>
-            </a:r>
-            <a:r>
-              <a:rPr lang="en-US" sz="1600" dirty="0" err="1">
-                <a:latin typeface="Bahnschrift Light" panose="020B0502040204020203" pitchFamily="34" charset="0"/>
-              </a:rPr>
-              <a:t>velit</a:t>
-            </a:r>
-            <a:r>
-              <a:rPr lang="en-US" sz="1600" dirty="0">
-                <a:latin typeface="Bahnschrift Light" panose="020B0502040204020203" pitchFamily="34" charset="0"/>
-              </a:rPr>
-              <a:t> </a:t>
-            </a:r>
-            <a:r>
-              <a:rPr lang="en-US" sz="1600" dirty="0" err="1">
-                <a:latin typeface="Bahnschrift Light" panose="020B0502040204020203" pitchFamily="34" charset="0"/>
-              </a:rPr>
-              <a:t>esse</a:t>
-            </a:r>
-            <a:r>
-              <a:rPr lang="en-US" sz="1600" dirty="0">
-                <a:latin typeface="Bahnschrift Light" panose="020B0502040204020203" pitchFamily="34" charset="0"/>
-              </a:rPr>
-              <a:t> </a:t>
-            </a:r>
-            <a:r>
-              <a:rPr lang="en-US" sz="1600" dirty="0" err="1">
-                <a:latin typeface="Bahnschrift Light" panose="020B0502040204020203" pitchFamily="34" charset="0"/>
-              </a:rPr>
-              <a:t>cillum</a:t>
-            </a:r>
-            <a:r>
-              <a:rPr lang="en-US" sz="1600" dirty="0">
-                <a:latin typeface="Bahnschrift Light" panose="020B0502040204020203" pitchFamily="34" charset="0"/>
-              </a:rPr>
-              <a:t> dolore </a:t>
-            </a:r>
-            <a:r>
-              <a:rPr lang="en-US" sz="1600" dirty="0" err="1">
-                <a:latin typeface="Bahnschrift Light" panose="020B0502040204020203" pitchFamily="34" charset="0"/>
-              </a:rPr>
-              <a:t>eu</a:t>
-            </a:r>
-            <a:r>
-              <a:rPr lang="en-US" sz="1600" dirty="0">
-                <a:latin typeface="Bahnschrift Light" panose="020B0502040204020203" pitchFamily="34" charset="0"/>
-              </a:rPr>
-              <a:t> </a:t>
-            </a:r>
-            <a:r>
-              <a:rPr lang="en-US" sz="1600" dirty="0" err="1">
-                <a:latin typeface="Bahnschrift Light" panose="020B0502040204020203" pitchFamily="34" charset="0"/>
-              </a:rPr>
-              <a:t>fugiat</a:t>
-            </a:r>
-            <a:r>
-              <a:rPr lang="en-US" sz="1600" dirty="0">
-                <a:latin typeface="Bahnschrift Light" panose="020B0502040204020203" pitchFamily="34" charset="0"/>
-              </a:rPr>
-              <a:t> </a:t>
-            </a:r>
-            <a:r>
-              <a:rPr lang="en-US" sz="1600" dirty="0" err="1">
-                <a:latin typeface="Bahnschrift Light" panose="020B0502040204020203" pitchFamily="34" charset="0"/>
-              </a:rPr>
-              <a:t>nulla</a:t>
-            </a:r>
-            <a:r>
-              <a:rPr lang="en-US" sz="1600" dirty="0">
-                <a:latin typeface="Bahnschrift Light" panose="020B0502040204020203" pitchFamily="34" charset="0"/>
-              </a:rPr>
-              <a:t> </a:t>
-            </a:r>
-            <a:r>
-              <a:rPr lang="en-US" sz="1600" dirty="0" err="1">
-                <a:latin typeface="Bahnschrift Light" panose="020B0502040204020203" pitchFamily="34" charset="0"/>
-              </a:rPr>
-              <a:t>pariatur</a:t>
-            </a:r>
-            <a:r>
-              <a:rPr lang="en-US" sz="1600" dirty="0">
-                <a:latin typeface="Bahnschrift Light" panose="020B0502040204020203" pitchFamily="34" charset="0"/>
-              </a:rPr>
-              <a:t>. </a:t>
-            </a:r>
-            <a:r>
-              <a:rPr lang="en-US" sz="1600" dirty="0" err="1">
-                <a:latin typeface="Bahnschrift Light" panose="020B0502040204020203" pitchFamily="34" charset="0"/>
-              </a:rPr>
-              <a:t>Excepteur</a:t>
-            </a:r>
-            <a:r>
-              <a:rPr lang="en-US" sz="1600" dirty="0">
-                <a:latin typeface="Bahnschrift Light" panose="020B0502040204020203" pitchFamily="34" charset="0"/>
-              </a:rPr>
-              <a:t> </a:t>
-            </a:r>
-            <a:r>
-              <a:rPr lang="en-US" sz="1600" dirty="0" err="1">
-                <a:latin typeface="Bahnschrift Light" panose="020B0502040204020203" pitchFamily="34" charset="0"/>
-              </a:rPr>
-              <a:t>sint</a:t>
-            </a:r>
-            <a:r>
-              <a:rPr lang="en-US" sz="1600" dirty="0">
-                <a:latin typeface="Bahnschrift Light" panose="020B0502040204020203" pitchFamily="34" charset="0"/>
-              </a:rPr>
-              <a:t> </a:t>
-            </a:r>
-            <a:r>
-              <a:rPr lang="en-US" sz="1600" dirty="0" err="1">
-                <a:latin typeface="Bahnschrift Light" panose="020B0502040204020203" pitchFamily="34" charset="0"/>
-              </a:rPr>
-              <a:t>occaecat</a:t>
-            </a:r>
-            <a:r>
-              <a:rPr lang="en-US" sz="1600" dirty="0">
-                <a:latin typeface="Bahnschrift Light" panose="020B0502040204020203" pitchFamily="34" charset="0"/>
-              </a:rPr>
-              <a:t> </a:t>
-            </a:r>
-            <a:r>
-              <a:rPr lang="en-US" sz="1600" dirty="0" err="1">
-                <a:latin typeface="Bahnschrift Light" panose="020B0502040204020203" pitchFamily="34" charset="0"/>
-              </a:rPr>
-              <a:t>cupidatat</a:t>
-            </a:r>
-            <a:r>
-              <a:rPr lang="en-US" sz="1600" dirty="0">
-                <a:latin typeface="Bahnschrift Light" panose="020B0502040204020203" pitchFamily="34" charset="0"/>
-              </a:rPr>
-              <a:t> non </a:t>
-            </a:r>
-            <a:r>
-              <a:rPr lang="en-US" sz="1600" dirty="0" err="1">
-                <a:latin typeface="Bahnschrift Light" panose="020B0502040204020203" pitchFamily="34" charset="0"/>
-              </a:rPr>
-              <a:t>proident</a:t>
-            </a:r>
-            <a:r>
-              <a:rPr lang="en-US" sz="1600" dirty="0">
-                <a:latin typeface="Bahnschrift Light" panose="020B0502040204020203" pitchFamily="34" charset="0"/>
-              </a:rPr>
-              <a:t>, sunt in culpa qui </a:t>
-            </a:r>
-            <a:r>
-              <a:rPr lang="en-US" sz="1600" dirty="0" err="1">
-                <a:latin typeface="Bahnschrift Light" panose="020B0502040204020203" pitchFamily="34" charset="0"/>
-              </a:rPr>
-              <a:t>officia</a:t>
-            </a:r>
-            <a:r>
-              <a:rPr lang="en-US" sz="1600" dirty="0">
-                <a:latin typeface="Bahnschrift Light" panose="020B0502040204020203" pitchFamily="34" charset="0"/>
-              </a:rPr>
-              <a:t> </a:t>
-            </a:r>
-            <a:r>
-              <a:rPr lang="en-US" sz="1600" dirty="0" err="1">
-                <a:latin typeface="Bahnschrift Light" panose="020B0502040204020203" pitchFamily="34" charset="0"/>
-              </a:rPr>
-              <a:t>deserunt</a:t>
-            </a:r>
-            <a:r>
-              <a:rPr lang="en-US" sz="1600" dirty="0">
-                <a:latin typeface="Bahnschrift Light" panose="020B0502040204020203" pitchFamily="34" charset="0"/>
-              </a:rPr>
-              <a:t> </a:t>
-            </a:r>
-            <a:r>
-              <a:rPr lang="en-US" sz="1600" dirty="0" err="1">
-                <a:latin typeface="Bahnschrift Light" panose="020B0502040204020203" pitchFamily="34" charset="0"/>
-              </a:rPr>
-              <a:t>mollit</a:t>
-            </a:r>
-            <a:r>
-              <a:rPr lang="en-US" sz="1600" dirty="0">
-                <a:latin typeface="Bahnschrift Light" panose="020B0502040204020203" pitchFamily="34" charset="0"/>
-              </a:rPr>
-              <a:t> </a:t>
-            </a:r>
-            <a:r>
-              <a:rPr lang="en-US" sz="1600" dirty="0" err="1">
-                <a:latin typeface="Bahnschrift Light" panose="020B0502040204020203" pitchFamily="34" charset="0"/>
-              </a:rPr>
-              <a:t>anim</a:t>
-            </a:r>
-            <a:r>
-              <a:rPr lang="en-US" sz="1600" dirty="0">
-                <a:latin typeface="Bahnschrift Light" panose="020B0502040204020203" pitchFamily="34" charset="0"/>
-              </a:rPr>
-              <a:t> id </a:t>
-            </a:r>
-            <a:r>
-              <a:rPr lang="en-US" sz="1600" dirty="0" err="1">
-                <a:latin typeface="Bahnschrift Light" panose="020B0502040204020203" pitchFamily="34" charset="0"/>
-              </a:rPr>
-              <a:t>est</a:t>
-            </a:r>
-            <a:r>
-              <a:rPr lang="en-US" sz="1600" dirty="0">
-                <a:latin typeface="Bahnschrift Light" panose="020B0502040204020203" pitchFamily="34" charset="0"/>
-              </a:rPr>
-              <a:t> </a:t>
-            </a:r>
-            <a:r>
-              <a:rPr lang="en-US" sz="1600" dirty="0" err="1">
-                <a:latin typeface="Bahnschrift Light" panose="020B0502040204020203" pitchFamily="34" charset="0"/>
-              </a:rPr>
-              <a:t>laborum</a:t>
-            </a:r>
-            <a:r>
-              <a:rPr lang="en-US" sz="1600" dirty="0">
-                <a:latin typeface="Bahnschrift Light" panose="020B0502040204020203" pitchFamily="34" charset="0"/>
-              </a:rPr>
-              <a:t>.</a:t>
+              <a:t>Customize the existing transformer architecture layers to increase the performance.</a:t>
             </a:r>
           </a:p>
         </p:txBody>
@@ -10842,12 +7648,12 @@
 </file>
 
 <file path=customXml/item1.xml><?xml version="1.0" encoding="utf-8"?>
-<?mso-contentType ?>
-<FormTemplates xmlns="http://schemas.microsoft.com/sharepoint/v3/contenttype/forms">
-  <Display>DocumentLibraryForm</Display>
-  <Edit>DocumentLibraryForm</Edit>
-  <New>DocumentLibraryForm</New>
-</FormTemplates>
+<p:properties xmlns:p="http://schemas.microsoft.com/office/2006/metadata/properties" xmlns:xsi="http://www.w3.org/2001/XMLSchema-instance" xmlns:pc="http://schemas.microsoft.com/office/infopath/2007/PartnerControls">
+  <documentManagement>
+    <Status xmlns="71af3243-3dd4-4a8d-8c0d-dd76da1f02a5">Not started</Status>
+    <MediaServiceKeyPoints xmlns="71af3243-3dd4-4a8d-8c0d-dd76da1f02a5" xsi:nil="true"/>
+  </documentManagement>
+</p:properties>
 </file>
 
 <file path=customXml/item2.xml><?xml version="1.0" encoding="utf-8"?>
@@ -11072,18 +7878,27 @@
 </file>
 
 <file path=customXml/item3.xml><?xml version="1.0" encoding="utf-8"?>
-<p:properties xmlns:p="http://schemas.microsoft.com/office/2006/metadata/properties" xmlns:xsi="http://www.w3.org/2001/XMLSchema-instance" xmlns:pc="http://schemas.microsoft.com/office/infopath/2007/PartnerControls">
-  <documentManagement>
-    <Status xmlns="71af3243-3dd4-4a8d-8c0d-dd76da1f02a5">Not started</Status>
-    <MediaServiceKeyPoints xmlns="71af3243-3dd4-4a8d-8c0d-dd76da1f02a5" xsi:nil="true"/>
-  </documentManagement>
-</p:properties>
+<?mso-contentType ?>
+<FormTemplates xmlns="http://schemas.microsoft.com/sharepoint/v3/contenttype/forms">
+  <Display>DocumentLibraryForm</Display>
+  <Edit>DocumentLibraryForm</Edit>
+  <New>DocumentLibraryForm</New>
+</FormTemplates>
 </file>
 
 <file path=customXml/itemProps1.xml><?xml version="1.0" encoding="utf-8"?>
-<ds:datastoreItem xmlns:ds="http://schemas.openxmlformats.org/officeDocument/2006/customXml" ds:itemID="{5029FA76-0C86-4BF1-99F1-A3115FBFFAB0}">
+<ds:datastoreItem xmlns:ds="http://schemas.openxmlformats.org/officeDocument/2006/customXml" ds:itemID="{44FAF7B5-E40C-46BE-9C83-DA251FCAE61E}">
   <ds:schemaRefs>
-    <ds:schemaRef ds:uri="http://schemas.microsoft.com/sharepoint/v3/contenttype/forms"/>
+    <ds:schemaRef ds:uri="http://purl.org/dc/elements/1.1/"/>
+    <ds:schemaRef ds:uri="http://purl.org/dc/terms/"/>
+    <ds:schemaRef ds:uri="http://schemas.microsoft.com/office/2006/metadata/properties"/>
+    <ds:schemaRef ds:uri="71af3243-3dd4-4a8d-8c0d-dd76da1f02a5"/>
+    <ds:schemaRef ds:uri="http://schemas.microsoft.com/office/2006/documentManagement/types"/>
+    <ds:schemaRef ds:uri="16c05727-aa75-4e4a-9b5f-8a80a1165891"/>
+    <ds:schemaRef ds:uri="http://schemas.openxmlformats.org/package/2006/metadata/core-properties"/>
+    <ds:schemaRef ds:uri="http://www.w3.org/XML/1998/namespace"/>
+    <ds:schemaRef ds:uri="http://schemas.microsoft.com/office/infopath/2007/PartnerControls"/>
+    <ds:schemaRef ds:uri="http://purl.org/dc/dcmitype/"/>
   </ds:schemaRefs>
 </ds:datastoreItem>
 </file>
@@ -11108,11 +7923,9 @@
 </file>
 
 <file path=customXml/itemProps3.xml><?xml version="1.0" encoding="utf-8"?>
-<ds:datastoreItem xmlns:ds="http://schemas.openxmlformats.org/officeDocument/2006/customXml" ds:itemID="{44FAF7B5-E40C-46BE-9C83-DA251FCAE61E}">
+<ds:datastoreItem xmlns:ds="http://schemas.openxmlformats.org/officeDocument/2006/customXml" ds:itemID="{5029FA76-0C86-4BF1-99F1-A3115FBFFAB0}">
   <ds:schemaRefs>
-    <ds:schemaRef ds:uri="http://schemas.microsoft.com/office/2006/metadata/properties"/>
-    <ds:schemaRef ds:uri="http://schemas.microsoft.com/office/infopath/2007/PartnerControls"/>
-    <ds:schemaRef ds:uri="71af3243-3dd4-4a8d-8c0d-dd76da1f02a5"/>
+    <ds:schemaRef ds:uri="http://schemas.microsoft.com/sharepoint/v3/contenttype/forms"/>
   </ds:schemaRefs>
 </ds:datastoreItem>
 </file>